--- a/Sample_Work_Poster_Template.pptx
+++ b/Sample_Work_Poster_Template.pptx
@@ -169,6 +169,753 @@
 </file>
 
 <file path=ppt/diagrams/colors1.xml><?xml version="1.0" encoding="utf-8"?>
+<dgm:colorsDef xmlns:dgm="http://schemas.openxmlformats.org/drawingml/2006/diagram" xmlns:a="http://schemas.openxmlformats.org/drawingml/2006/main" uniqueId="urn:microsoft.com/office/officeart/2005/8/colors/accent1_2">
+  <dgm:title val=""/>
+  <dgm:desc val=""/>
+  <dgm:catLst>
+    <dgm:cat type="accent1" pri="11200"/>
+  </dgm:catLst>
+  <dgm:styleLbl name="node0">
+    <dgm:fillClrLst meth="repeat">
+      <a:schemeClr val="accent1"/>
+    </dgm:fillClrLst>
+    <dgm:linClrLst meth="repeat">
+      <a:schemeClr val="lt1"/>
+    </dgm:linClrLst>
+    <dgm:effectClrLst/>
+    <dgm:txLinClrLst/>
+    <dgm:txFillClrLst/>
+    <dgm:txEffectClrLst/>
+  </dgm:styleLbl>
+  <dgm:styleLbl name="alignNode1">
+    <dgm:fillClrLst meth="repeat">
+      <a:schemeClr val="accent1"/>
+    </dgm:fillClrLst>
+    <dgm:linClrLst meth="repeat">
+      <a:schemeClr val="accent1"/>
+    </dgm:linClrLst>
+    <dgm:effectClrLst/>
+    <dgm:txLinClrLst/>
+    <dgm:txFillClrLst/>
+    <dgm:txEffectClrLst/>
+  </dgm:styleLbl>
+  <dgm:styleLbl name="node1">
+    <dgm:fillClrLst meth="repeat">
+      <a:schemeClr val="accent1"/>
+    </dgm:fillClrLst>
+    <dgm:linClrLst meth="repeat">
+      <a:schemeClr val="lt1"/>
+    </dgm:linClrLst>
+    <dgm:effectClrLst/>
+    <dgm:txLinClrLst/>
+    <dgm:txFillClrLst/>
+    <dgm:txEffectClrLst/>
+  </dgm:styleLbl>
+  <dgm:styleLbl name="lnNode1">
+    <dgm:fillClrLst meth="repeat">
+      <a:schemeClr val="accent1"/>
+    </dgm:fillClrLst>
+    <dgm:linClrLst meth="repeat">
+      <a:schemeClr val="lt1"/>
+    </dgm:linClrLst>
+    <dgm:effectClrLst/>
+    <dgm:txLinClrLst/>
+    <dgm:txFillClrLst/>
+    <dgm:txEffectClrLst/>
+  </dgm:styleLbl>
+  <dgm:styleLbl name="vennNode1">
+    <dgm:fillClrLst meth="repeat">
+      <a:schemeClr val="accent1">
+        <a:alpha val="50000"/>
+      </a:schemeClr>
+    </dgm:fillClrLst>
+    <dgm:linClrLst meth="repeat">
+      <a:schemeClr val="lt1"/>
+    </dgm:linClrLst>
+    <dgm:effectClrLst/>
+    <dgm:txLinClrLst/>
+    <dgm:txFillClrLst/>
+    <dgm:txEffectClrLst/>
+  </dgm:styleLbl>
+  <dgm:styleLbl name="node2">
+    <dgm:fillClrLst meth="repeat">
+      <a:schemeClr val="accent1"/>
+    </dgm:fillClrLst>
+    <dgm:linClrLst meth="repeat">
+      <a:schemeClr val="lt1"/>
+    </dgm:linClrLst>
+    <dgm:effectClrLst/>
+    <dgm:txLinClrLst/>
+    <dgm:txFillClrLst/>
+    <dgm:txEffectClrLst/>
+  </dgm:styleLbl>
+  <dgm:styleLbl name="node3">
+    <dgm:fillClrLst meth="repeat">
+      <a:schemeClr val="accent1"/>
+    </dgm:fillClrLst>
+    <dgm:linClrLst meth="repeat">
+      <a:schemeClr val="lt1"/>
+    </dgm:linClrLst>
+    <dgm:effectClrLst/>
+    <dgm:txLinClrLst/>
+    <dgm:txFillClrLst/>
+    <dgm:txEffectClrLst/>
+  </dgm:styleLbl>
+  <dgm:styleLbl name="node4">
+    <dgm:fillClrLst meth="repeat">
+      <a:schemeClr val="accent1"/>
+    </dgm:fillClrLst>
+    <dgm:linClrLst meth="repeat">
+      <a:schemeClr val="lt1"/>
+    </dgm:linClrLst>
+    <dgm:effectClrLst/>
+    <dgm:txLinClrLst/>
+    <dgm:txFillClrLst/>
+    <dgm:txEffectClrLst/>
+  </dgm:styleLbl>
+  <dgm:styleLbl name="fgImgPlace1">
+    <dgm:fillClrLst meth="repeat">
+      <a:schemeClr val="accent1">
+        <a:tint val="50000"/>
+      </a:schemeClr>
+    </dgm:fillClrLst>
+    <dgm:linClrLst meth="repeat">
+      <a:schemeClr val="lt1"/>
+    </dgm:linClrLst>
+    <dgm:effectClrLst/>
+    <dgm:txLinClrLst/>
+    <dgm:txFillClrLst meth="repeat">
+      <a:schemeClr val="lt1"/>
+    </dgm:txFillClrLst>
+    <dgm:txEffectClrLst/>
+  </dgm:styleLbl>
+  <dgm:styleLbl name="alignImgPlace1">
+    <dgm:fillClrLst meth="repeat">
+      <a:schemeClr val="accent1">
+        <a:tint val="50000"/>
+      </a:schemeClr>
+    </dgm:fillClrLst>
+    <dgm:linClrLst meth="repeat">
+      <a:schemeClr val="lt1"/>
+    </dgm:linClrLst>
+    <dgm:effectClrLst/>
+    <dgm:txLinClrLst/>
+    <dgm:txFillClrLst meth="repeat">
+      <a:schemeClr val="lt1"/>
+    </dgm:txFillClrLst>
+    <dgm:txEffectClrLst/>
+  </dgm:styleLbl>
+  <dgm:styleLbl name="bgImgPlace1">
+    <dgm:fillClrLst meth="repeat">
+      <a:schemeClr val="accent1">
+        <a:tint val="50000"/>
+      </a:schemeClr>
+    </dgm:fillClrLst>
+    <dgm:linClrLst meth="repeat">
+      <a:schemeClr val="lt1"/>
+    </dgm:linClrLst>
+    <dgm:effectClrLst/>
+    <dgm:txLinClrLst/>
+    <dgm:txFillClrLst meth="repeat">
+      <a:schemeClr val="lt1"/>
+    </dgm:txFillClrLst>
+    <dgm:txEffectClrLst/>
+  </dgm:styleLbl>
+  <dgm:styleLbl name="sibTrans2D1">
+    <dgm:fillClrLst meth="repeat">
+      <a:schemeClr val="accent1">
+        <a:tint val="60000"/>
+      </a:schemeClr>
+    </dgm:fillClrLst>
+    <dgm:linClrLst meth="repeat">
+      <a:schemeClr val="accent1">
+        <a:tint val="60000"/>
+      </a:schemeClr>
+    </dgm:linClrLst>
+    <dgm:effectClrLst/>
+    <dgm:txLinClrLst/>
+    <dgm:txFillClrLst/>
+    <dgm:txEffectClrLst/>
+  </dgm:styleLbl>
+  <dgm:styleLbl name="fgSibTrans2D1">
+    <dgm:fillClrLst meth="repeat">
+      <a:schemeClr val="accent1">
+        <a:tint val="60000"/>
+      </a:schemeClr>
+    </dgm:fillClrLst>
+    <dgm:linClrLst meth="repeat">
+      <a:schemeClr val="accent1">
+        <a:tint val="60000"/>
+      </a:schemeClr>
+    </dgm:linClrLst>
+    <dgm:effectClrLst/>
+    <dgm:txLinClrLst/>
+    <dgm:txFillClrLst/>
+    <dgm:txEffectClrLst/>
+  </dgm:styleLbl>
+  <dgm:styleLbl name="bgSibTrans2D1">
+    <dgm:fillClrLst meth="repeat">
+      <a:schemeClr val="accent1">
+        <a:tint val="60000"/>
+      </a:schemeClr>
+    </dgm:fillClrLst>
+    <dgm:linClrLst meth="repeat">
+      <a:schemeClr val="accent1">
+        <a:tint val="60000"/>
+      </a:schemeClr>
+    </dgm:linClrLst>
+    <dgm:effectClrLst/>
+    <dgm:txLinClrLst/>
+    <dgm:txFillClrLst/>
+    <dgm:txEffectClrLst/>
+  </dgm:styleLbl>
+  <dgm:styleLbl name="sibTrans1D1">
+    <dgm:fillClrLst meth="repeat">
+      <a:schemeClr val="accent1"/>
+    </dgm:fillClrLst>
+    <dgm:linClrLst meth="repeat">
+      <a:schemeClr val="accent1"/>
+    </dgm:linClrLst>
+    <dgm:effectClrLst/>
+    <dgm:txLinClrLst/>
+    <dgm:txFillClrLst meth="repeat">
+      <a:schemeClr val="tx1"/>
+    </dgm:txFillClrLst>
+    <dgm:txEffectClrLst/>
+  </dgm:styleLbl>
+  <dgm:styleLbl name="callout">
+    <dgm:fillClrLst meth="repeat">
+      <a:schemeClr val="accent1"/>
+    </dgm:fillClrLst>
+    <dgm:linClrLst meth="repeat">
+      <a:schemeClr val="accent1">
+        <a:tint val="50000"/>
+      </a:schemeClr>
+    </dgm:linClrLst>
+    <dgm:effectClrLst/>
+    <dgm:txLinClrLst/>
+    <dgm:txFillClrLst meth="repeat">
+      <a:schemeClr val="tx1"/>
+    </dgm:txFillClrLst>
+    <dgm:txEffectClrLst/>
+  </dgm:styleLbl>
+  <dgm:styleLbl name="asst0">
+    <dgm:fillClrLst meth="repeat">
+      <a:schemeClr val="accent1"/>
+    </dgm:fillClrLst>
+    <dgm:linClrLst meth="repeat">
+      <a:schemeClr val="lt1"/>
+    </dgm:linClrLst>
+    <dgm:effectClrLst/>
+    <dgm:txLinClrLst/>
+    <dgm:txFillClrLst/>
+    <dgm:txEffectClrLst/>
+  </dgm:styleLbl>
+  <dgm:styleLbl name="asst1">
+    <dgm:fillClrLst meth="repeat">
+      <a:schemeClr val="accent1"/>
+    </dgm:fillClrLst>
+    <dgm:linClrLst meth="repeat">
+      <a:schemeClr val="lt1"/>
+    </dgm:linClrLst>
+    <dgm:effectClrLst/>
+    <dgm:txLinClrLst/>
+    <dgm:txFillClrLst/>
+    <dgm:txEffectClrLst/>
+  </dgm:styleLbl>
+  <dgm:styleLbl name="asst2">
+    <dgm:fillClrLst meth="repeat">
+      <a:schemeClr val="accent1"/>
+    </dgm:fillClrLst>
+    <dgm:linClrLst meth="repeat">
+      <a:schemeClr val="lt1"/>
+    </dgm:linClrLst>
+    <dgm:effectClrLst/>
+    <dgm:txLinClrLst/>
+    <dgm:txFillClrLst/>
+    <dgm:txEffectClrLst/>
+  </dgm:styleLbl>
+  <dgm:styleLbl name="asst3">
+    <dgm:fillClrLst meth="repeat">
+      <a:schemeClr val="accent1"/>
+    </dgm:fillClrLst>
+    <dgm:linClrLst meth="repeat">
+      <a:schemeClr val="lt1"/>
+    </dgm:linClrLst>
+    <dgm:effectClrLst/>
+    <dgm:txLinClrLst/>
+    <dgm:txFillClrLst/>
+    <dgm:txEffectClrLst/>
+  </dgm:styleLbl>
+  <dgm:styleLbl name="asst4">
+    <dgm:fillClrLst meth="repeat">
+      <a:schemeClr val="accent1"/>
+    </dgm:fillClrLst>
+    <dgm:linClrLst meth="repeat">
+      <a:schemeClr val="lt1"/>
+    </dgm:linClrLst>
+    <dgm:effectClrLst/>
+    <dgm:txLinClrLst/>
+    <dgm:txFillClrLst/>
+    <dgm:txEffectClrLst/>
+  </dgm:styleLbl>
+  <dgm:styleLbl name="parChTrans2D1">
+    <dgm:fillClrLst meth="repeat">
+      <a:schemeClr val="accent1">
+        <a:tint val="60000"/>
+      </a:schemeClr>
+    </dgm:fillClrLst>
+    <dgm:linClrLst meth="repeat">
+      <a:schemeClr val="accent1">
+        <a:tint val="60000"/>
+      </a:schemeClr>
+    </dgm:linClrLst>
+    <dgm:effectClrLst/>
+    <dgm:txLinClrLst/>
+    <dgm:txFillClrLst meth="repeat">
+      <a:schemeClr val="lt1"/>
+    </dgm:txFillClrLst>
+    <dgm:txEffectClrLst/>
+  </dgm:styleLbl>
+  <dgm:styleLbl name="parChTrans2D2">
+    <dgm:fillClrLst meth="repeat">
+      <a:schemeClr val="accent1"/>
+    </dgm:fillClrLst>
+    <dgm:linClrLst meth="repeat">
+      <a:schemeClr val="accent1"/>
+    </dgm:linClrLst>
+    <dgm:effectClrLst/>
+    <dgm:txLinClrLst/>
+    <dgm:txFillClrLst meth="repeat">
+      <a:schemeClr val="lt1"/>
+    </dgm:txFillClrLst>
+    <dgm:txEffectClrLst/>
+  </dgm:styleLbl>
+  <dgm:styleLbl name="parChTrans2D3">
+    <dgm:fillClrLst meth="repeat">
+      <a:schemeClr val="accent1"/>
+    </dgm:fillClrLst>
+    <dgm:linClrLst meth="repeat">
+      <a:schemeClr val="accent1"/>
+    </dgm:linClrLst>
+    <dgm:effectClrLst/>
+    <dgm:txLinClrLst/>
+    <dgm:txFillClrLst meth="repeat">
+      <a:schemeClr val="lt1"/>
+    </dgm:txFillClrLst>
+    <dgm:txEffectClrLst/>
+  </dgm:styleLbl>
+  <dgm:styleLbl name="parChTrans2D4">
+    <dgm:fillClrLst meth="repeat">
+      <a:schemeClr val="accent1"/>
+    </dgm:fillClrLst>
+    <dgm:linClrLst meth="repeat">
+      <a:schemeClr val="accent1"/>
+    </dgm:linClrLst>
+    <dgm:effectClrLst/>
+    <dgm:txLinClrLst/>
+    <dgm:txFillClrLst meth="repeat">
+      <a:schemeClr val="lt1"/>
+    </dgm:txFillClrLst>
+    <dgm:txEffectClrLst/>
+  </dgm:styleLbl>
+  <dgm:styleLbl name="parChTrans1D1">
+    <dgm:fillClrLst meth="repeat">
+      <a:schemeClr val="accent1"/>
+    </dgm:fillClrLst>
+    <dgm:linClrLst meth="repeat">
+      <a:schemeClr val="accent1">
+        <a:shade val="60000"/>
+      </a:schemeClr>
+    </dgm:linClrLst>
+    <dgm:effectClrLst/>
+    <dgm:txLinClrLst/>
+    <dgm:txFillClrLst meth="repeat">
+      <a:schemeClr val="tx1"/>
+    </dgm:txFillClrLst>
+    <dgm:txEffectClrLst/>
+  </dgm:styleLbl>
+  <dgm:styleLbl name="parChTrans1D2">
+    <dgm:fillClrLst meth="repeat">
+      <a:schemeClr val="accent1"/>
+    </dgm:fillClrLst>
+    <dgm:linClrLst meth="repeat">
+      <a:schemeClr val="accent1">
+        <a:shade val="60000"/>
+      </a:schemeClr>
+    </dgm:linClrLst>
+    <dgm:effectClrLst/>
+    <dgm:txLinClrLst/>
+    <dgm:txFillClrLst meth="repeat">
+      <a:schemeClr val="tx1"/>
+    </dgm:txFillClrLst>
+    <dgm:txEffectClrLst/>
+  </dgm:styleLbl>
+  <dgm:styleLbl name="parChTrans1D3">
+    <dgm:fillClrLst meth="repeat">
+      <a:schemeClr val="accent1"/>
+    </dgm:fillClrLst>
+    <dgm:linClrLst meth="repeat">
+      <a:schemeClr val="accent1">
+        <a:shade val="80000"/>
+      </a:schemeClr>
+    </dgm:linClrLst>
+    <dgm:effectClrLst/>
+    <dgm:txLinClrLst/>
+    <dgm:txFillClrLst meth="repeat">
+      <a:schemeClr val="tx1"/>
+    </dgm:txFillClrLst>
+    <dgm:txEffectClrLst/>
+  </dgm:styleLbl>
+  <dgm:styleLbl name="parChTrans1D4">
+    <dgm:fillClrLst meth="repeat">
+      <a:schemeClr val="accent1"/>
+    </dgm:fillClrLst>
+    <dgm:linClrLst meth="repeat">
+      <a:schemeClr val="accent1">
+        <a:shade val="80000"/>
+      </a:schemeClr>
+    </dgm:linClrLst>
+    <dgm:effectClrLst/>
+    <dgm:txLinClrLst/>
+    <dgm:txFillClrLst meth="repeat">
+      <a:schemeClr val="tx1"/>
+    </dgm:txFillClrLst>
+    <dgm:txEffectClrLst/>
+  </dgm:styleLbl>
+  <dgm:styleLbl name="fgAcc1">
+    <dgm:fillClrLst meth="repeat">
+      <a:schemeClr val="lt1">
+        <a:alpha val="90000"/>
+      </a:schemeClr>
+    </dgm:fillClrLst>
+    <dgm:linClrLst meth="repeat">
+      <a:schemeClr val="accent1"/>
+    </dgm:linClrLst>
+    <dgm:effectClrLst/>
+    <dgm:txLinClrLst/>
+    <dgm:txFillClrLst meth="repeat">
+      <a:schemeClr val="dk1"/>
+    </dgm:txFillClrLst>
+    <dgm:txEffectClrLst/>
+  </dgm:styleLbl>
+  <dgm:styleLbl name="conFgAcc1">
+    <dgm:fillClrLst meth="repeat">
+      <a:schemeClr val="lt1">
+        <a:alpha val="90000"/>
+      </a:schemeClr>
+    </dgm:fillClrLst>
+    <dgm:linClrLst meth="repeat">
+      <a:schemeClr val="accent1"/>
+    </dgm:linClrLst>
+    <dgm:effectClrLst/>
+    <dgm:txLinClrLst/>
+    <dgm:txFillClrLst meth="repeat">
+      <a:schemeClr val="dk1"/>
+    </dgm:txFillClrLst>
+    <dgm:txEffectClrLst/>
+  </dgm:styleLbl>
+  <dgm:styleLbl name="alignAcc1">
+    <dgm:fillClrLst meth="repeat">
+      <a:schemeClr val="lt1">
+        <a:alpha val="90000"/>
+      </a:schemeClr>
+    </dgm:fillClrLst>
+    <dgm:linClrLst meth="repeat">
+      <a:schemeClr val="accent1"/>
+    </dgm:linClrLst>
+    <dgm:effectClrLst/>
+    <dgm:txLinClrLst/>
+    <dgm:txFillClrLst meth="repeat">
+      <a:schemeClr val="dk1"/>
+    </dgm:txFillClrLst>
+    <dgm:txEffectClrLst/>
+  </dgm:styleLbl>
+  <dgm:styleLbl name="trAlignAcc1">
+    <dgm:fillClrLst meth="repeat">
+      <a:schemeClr val="lt1">
+        <a:alpha val="40000"/>
+      </a:schemeClr>
+    </dgm:fillClrLst>
+    <dgm:linClrLst meth="repeat">
+      <a:schemeClr val="accent1"/>
+    </dgm:linClrLst>
+    <dgm:effectClrLst/>
+    <dgm:txLinClrLst/>
+    <dgm:txFillClrLst meth="repeat">
+      <a:schemeClr val="dk1"/>
+    </dgm:txFillClrLst>
+    <dgm:txEffectClrLst/>
+  </dgm:styleLbl>
+  <dgm:styleLbl name="bgAcc1">
+    <dgm:fillClrLst meth="repeat">
+      <a:schemeClr val="lt1">
+        <a:alpha val="90000"/>
+      </a:schemeClr>
+    </dgm:fillClrLst>
+    <dgm:linClrLst meth="repeat">
+      <a:schemeClr val="accent1"/>
+    </dgm:linClrLst>
+    <dgm:effectClrLst/>
+    <dgm:txLinClrLst/>
+    <dgm:txFillClrLst meth="repeat">
+      <a:schemeClr val="dk1"/>
+    </dgm:txFillClrLst>
+    <dgm:txEffectClrLst/>
+  </dgm:styleLbl>
+  <dgm:styleLbl name="solidFgAcc1">
+    <dgm:fillClrLst meth="repeat">
+      <a:schemeClr val="lt1"/>
+    </dgm:fillClrLst>
+    <dgm:linClrLst meth="repeat">
+      <a:schemeClr val="accent1"/>
+    </dgm:linClrLst>
+    <dgm:effectClrLst/>
+    <dgm:txLinClrLst/>
+    <dgm:txFillClrLst meth="repeat">
+      <a:schemeClr val="dk1"/>
+    </dgm:txFillClrLst>
+    <dgm:txEffectClrLst/>
+  </dgm:styleLbl>
+  <dgm:styleLbl name="solidAlignAcc1">
+    <dgm:fillClrLst meth="repeat">
+      <a:schemeClr val="lt1"/>
+    </dgm:fillClrLst>
+    <dgm:linClrLst meth="repeat">
+      <a:schemeClr val="accent1"/>
+    </dgm:linClrLst>
+    <dgm:effectClrLst/>
+    <dgm:txLinClrLst/>
+    <dgm:txFillClrLst meth="repeat">
+      <a:schemeClr val="dk1"/>
+    </dgm:txFillClrLst>
+    <dgm:txEffectClrLst/>
+  </dgm:styleLbl>
+  <dgm:styleLbl name="solidBgAcc1">
+    <dgm:fillClrLst meth="repeat">
+      <a:schemeClr val="lt1"/>
+    </dgm:fillClrLst>
+    <dgm:linClrLst meth="repeat">
+      <a:schemeClr val="accent1"/>
+    </dgm:linClrLst>
+    <dgm:effectClrLst/>
+    <dgm:txLinClrLst/>
+    <dgm:txFillClrLst meth="repeat">
+      <a:schemeClr val="dk1"/>
+    </dgm:txFillClrLst>
+    <dgm:txEffectClrLst/>
+  </dgm:styleLbl>
+  <dgm:styleLbl name="fgAccFollowNode1">
+    <dgm:fillClrLst meth="repeat">
+      <a:schemeClr val="accent1">
+        <a:alpha val="90000"/>
+        <a:tint val="40000"/>
+      </a:schemeClr>
+    </dgm:fillClrLst>
+    <dgm:linClrLst meth="repeat">
+      <a:schemeClr val="accent1">
+        <a:alpha val="90000"/>
+        <a:tint val="40000"/>
+      </a:schemeClr>
+    </dgm:linClrLst>
+    <dgm:effectClrLst/>
+    <dgm:txLinClrLst/>
+    <dgm:txFillClrLst meth="repeat">
+      <a:schemeClr val="dk1"/>
+    </dgm:txFillClrLst>
+    <dgm:txEffectClrLst/>
+  </dgm:styleLbl>
+  <dgm:styleLbl name="alignAccFollowNode1">
+    <dgm:fillClrLst meth="repeat">
+      <a:schemeClr val="accent1">
+        <a:alpha val="90000"/>
+        <a:tint val="40000"/>
+      </a:schemeClr>
+    </dgm:fillClrLst>
+    <dgm:linClrLst meth="repeat">
+      <a:schemeClr val="accent1">
+        <a:alpha val="90000"/>
+        <a:tint val="40000"/>
+      </a:schemeClr>
+    </dgm:linClrLst>
+    <dgm:effectClrLst/>
+    <dgm:txLinClrLst/>
+    <dgm:txFillClrLst meth="repeat">
+      <a:schemeClr val="dk1"/>
+    </dgm:txFillClrLst>
+    <dgm:txEffectClrLst/>
+  </dgm:styleLbl>
+  <dgm:styleLbl name="bgAccFollowNode1">
+    <dgm:fillClrLst meth="repeat">
+      <a:schemeClr val="accent1">
+        <a:alpha val="90000"/>
+        <a:tint val="40000"/>
+      </a:schemeClr>
+    </dgm:fillClrLst>
+    <dgm:linClrLst meth="repeat">
+      <a:schemeClr val="accent1">
+        <a:alpha val="90000"/>
+        <a:tint val="40000"/>
+      </a:schemeClr>
+    </dgm:linClrLst>
+    <dgm:effectClrLst/>
+    <dgm:txLinClrLst/>
+    <dgm:txFillClrLst meth="repeat">
+      <a:schemeClr val="dk1"/>
+    </dgm:txFillClrLst>
+    <dgm:txEffectClrLst/>
+  </dgm:styleLbl>
+  <dgm:styleLbl name="fgAcc0">
+    <dgm:fillClrLst meth="repeat">
+      <a:schemeClr val="lt1">
+        <a:alpha val="90000"/>
+      </a:schemeClr>
+    </dgm:fillClrLst>
+    <dgm:linClrLst meth="repeat">
+      <a:schemeClr val="accent1"/>
+    </dgm:linClrLst>
+    <dgm:effectClrLst/>
+    <dgm:txLinClrLst/>
+    <dgm:txFillClrLst meth="repeat">
+      <a:schemeClr val="dk1"/>
+    </dgm:txFillClrLst>
+    <dgm:txEffectClrLst/>
+  </dgm:styleLbl>
+  <dgm:styleLbl name="fgAcc2">
+    <dgm:fillClrLst meth="repeat">
+      <a:schemeClr val="lt1">
+        <a:alpha val="90000"/>
+      </a:schemeClr>
+    </dgm:fillClrLst>
+    <dgm:linClrLst meth="repeat">
+      <a:schemeClr val="accent1"/>
+    </dgm:linClrLst>
+    <dgm:effectClrLst/>
+    <dgm:txLinClrLst/>
+    <dgm:txFillClrLst meth="repeat">
+      <a:schemeClr val="dk1"/>
+    </dgm:txFillClrLst>
+    <dgm:txEffectClrLst/>
+  </dgm:styleLbl>
+  <dgm:styleLbl name="fgAcc3">
+    <dgm:fillClrLst meth="repeat">
+      <a:schemeClr val="lt1">
+        <a:alpha val="90000"/>
+      </a:schemeClr>
+    </dgm:fillClrLst>
+    <dgm:linClrLst meth="repeat">
+      <a:schemeClr val="accent1"/>
+    </dgm:linClrLst>
+    <dgm:effectClrLst/>
+    <dgm:txLinClrLst/>
+    <dgm:txFillClrLst meth="repeat">
+      <a:schemeClr val="dk1"/>
+    </dgm:txFillClrLst>
+    <dgm:txEffectClrLst/>
+  </dgm:styleLbl>
+  <dgm:styleLbl name="fgAcc4">
+    <dgm:fillClrLst meth="repeat">
+      <a:schemeClr val="lt1">
+        <a:alpha val="90000"/>
+      </a:schemeClr>
+    </dgm:fillClrLst>
+    <dgm:linClrLst meth="repeat">
+      <a:schemeClr val="accent1"/>
+    </dgm:linClrLst>
+    <dgm:effectClrLst/>
+    <dgm:txLinClrLst/>
+    <dgm:txFillClrLst meth="repeat">
+      <a:schemeClr val="dk1"/>
+    </dgm:txFillClrLst>
+    <dgm:txEffectClrLst/>
+  </dgm:styleLbl>
+  <dgm:styleLbl name="bgShp">
+    <dgm:fillClrLst meth="repeat">
+      <a:schemeClr val="accent1">
+        <a:tint val="40000"/>
+      </a:schemeClr>
+    </dgm:fillClrLst>
+    <dgm:linClrLst meth="repeat">
+      <a:schemeClr val="accent1"/>
+    </dgm:linClrLst>
+    <dgm:effectClrLst/>
+    <dgm:txLinClrLst/>
+    <dgm:txFillClrLst meth="repeat">
+      <a:schemeClr val="dk1"/>
+    </dgm:txFillClrLst>
+    <dgm:txEffectClrLst/>
+  </dgm:styleLbl>
+  <dgm:styleLbl name="dkBgShp">
+    <dgm:fillClrLst meth="repeat">
+      <a:schemeClr val="accent1">
+        <a:shade val="80000"/>
+      </a:schemeClr>
+    </dgm:fillClrLst>
+    <dgm:linClrLst meth="repeat">
+      <a:schemeClr val="accent1"/>
+    </dgm:linClrLst>
+    <dgm:effectClrLst/>
+    <dgm:txLinClrLst/>
+    <dgm:txFillClrLst meth="repeat">
+      <a:schemeClr val="lt1"/>
+    </dgm:txFillClrLst>
+    <dgm:txEffectClrLst/>
+  </dgm:styleLbl>
+  <dgm:styleLbl name="trBgShp">
+    <dgm:fillClrLst meth="repeat">
+      <a:schemeClr val="accent1">
+        <a:tint val="50000"/>
+        <a:alpha val="40000"/>
+      </a:schemeClr>
+    </dgm:fillClrLst>
+    <dgm:linClrLst meth="repeat">
+      <a:schemeClr val="accent1"/>
+    </dgm:linClrLst>
+    <dgm:effectClrLst/>
+    <dgm:txLinClrLst/>
+    <dgm:txFillClrLst meth="repeat">
+      <a:schemeClr val="lt1"/>
+    </dgm:txFillClrLst>
+    <dgm:txEffectClrLst/>
+  </dgm:styleLbl>
+  <dgm:styleLbl name="fgShp">
+    <dgm:fillClrLst meth="repeat">
+      <a:schemeClr val="accent1">
+        <a:tint val="60000"/>
+      </a:schemeClr>
+    </dgm:fillClrLst>
+    <dgm:linClrLst meth="repeat">
+      <a:schemeClr val="lt1"/>
+    </dgm:linClrLst>
+    <dgm:effectClrLst/>
+    <dgm:txLinClrLst/>
+    <dgm:txFillClrLst meth="repeat">
+      <a:schemeClr val="dk1"/>
+    </dgm:txFillClrLst>
+    <dgm:txEffectClrLst/>
+  </dgm:styleLbl>
+  <dgm:styleLbl name="revTx">
+    <dgm:fillClrLst meth="repeat">
+      <a:schemeClr val="lt1">
+        <a:alpha val="0"/>
+      </a:schemeClr>
+    </dgm:fillClrLst>
+    <dgm:linClrLst meth="repeat">
+      <a:schemeClr val="dk1">
+        <a:alpha val="0"/>
+      </a:schemeClr>
+    </dgm:linClrLst>
+    <dgm:effectClrLst/>
+    <dgm:txLinClrLst/>
+    <dgm:txFillClrLst meth="repeat">
+      <a:schemeClr val="tx1"/>
+    </dgm:txFillClrLst>
+    <dgm:txEffectClrLst/>
+  </dgm:styleLbl>
+</dgm:colorsDef>
+</file>
+
+<file path=ppt/diagrams/colors2.xml><?xml version="1.0" encoding="utf-8"?>
 <dgm:colorsDef xmlns:dgm="http://schemas.openxmlformats.org/drawingml/2006/diagram" xmlns:a="http://schemas.openxmlformats.org/drawingml/2006/main" uniqueId="urn:microsoft.com/office/officeart/2005/8/colors/accent1_2">
   <dgm:title val=""/>
   <dgm:desc val=""/>
@@ -1509,7 +2256,1218 @@
 </dgm:dataModel>
 </file>
 
+<file path=ppt/diagrams/data2.xml><?xml version="1.0" encoding="utf-8"?>
+<dgm:dataModel xmlns:dgm="http://schemas.openxmlformats.org/drawingml/2006/diagram" xmlns:a="http://schemas.openxmlformats.org/drawingml/2006/main">
+  <dgm:ptLst>
+    <dgm:pt modelId="{89DE7FE0-1E15-BF46-9B8E-D93B3BC27A94}" type="doc">
+      <dgm:prSet loTypeId="urn:microsoft.com/office/officeart/2005/8/layout/chevron2" loCatId="" qsTypeId="urn:microsoft.com/office/officeart/2005/8/quickstyle/simple1" qsCatId="simple" csTypeId="urn:microsoft.com/office/officeart/2005/8/colors/accent1_2" csCatId="accent1" phldr="1"/>
+      <dgm:spPr/>
+      <dgm:t>
+        <a:bodyPr/>
+        <a:lstStyle/>
+        <a:p>
+          <a:endParaRPr lang="en-US"/>
+        </a:p>
+      </dgm:t>
+    </dgm:pt>
+    <dgm:pt modelId="{D3F160AF-3524-2D4F-91ED-83FB2BA9DA8F}">
+      <dgm:prSet phldrT="[Text]" custT="1"/>
+      <dgm:spPr/>
+      <dgm:t>
+        <a:bodyPr anchor="ctr" anchorCtr="0"/>
+        <a:lstStyle/>
+        <a:p>
+          <a:r>
+            <a:rPr lang="en-US" sz="3800" b="1" dirty="0">
+              <a:solidFill>
+                <a:schemeClr val="tx1"/>
+              </a:solidFill>
+              <a:latin typeface="Arial" panose="020B0604020202020204" pitchFamily="34" charset="0"/>
+              <a:cs typeface="Arial" panose="020B0604020202020204" pitchFamily="34" charset="0"/>
+            </a:rPr>
+            <a:t>Import</a:t>
+          </a:r>
+        </a:p>
+      </dgm:t>
+    </dgm:pt>
+    <dgm:pt modelId="{01B26431-458E-D24E-8B30-1AA483D12A64}" type="parTrans" cxnId="{9DCE54BA-667B-2E4C-B97C-5F889B44A152}">
+      <dgm:prSet/>
+      <dgm:spPr/>
+      <dgm:t>
+        <a:bodyPr/>
+        <a:lstStyle/>
+        <a:p>
+          <a:endParaRPr lang="en-US"/>
+        </a:p>
+      </dgm:t>
+    </dgm:pt>
+    <dgm:pt modelId="{ED25798F-2DD3-D542-A52E-B6A36B80E83E}" type="sibTrans" cxnId="{9DCE54BA-667B-2E4C-B97C-5F889B44A152}">
+      <dgm:prSet/>
+      <dgm:spPr/>
+      <dgm:t>
+        <a:bodyPr/>
+        <a:lstStyle/>
+        <a:p>
+          <a:endParaRPr lang="en-US"/>
+        </a:p>
+      </dgm:t>
+    </dgm:pt>
+    <dgm:pt modelId="{5AEE49C3-2B5E-B94C-B2B8-5EA45B9D049C}">
+      <dgm:prSet phldrT="[Text]" custT="1"/>
+      <dgm:spPr/>
+      <dgm:t>
+        <a:bodyPr anchor="ctr" anchorCtr="0"/>
+        <a:lstStyle/>
+        <a:p>
+          <a:r>
+            <a:rPr lang="en-US" sz="3200" dirty="0">
+              <a:latin typeface="Arial" panose="020B0604020202020204" pitchFamily="34" charset="0"/>
+              <a:cs typeface="Arial" panose="020B0604020202020204" pitchFamily="34" charset="0"/>
+            </a:rPr>
+            <a:t>From spreadsheet files</a:t>
+          </a:r>
+        </a:p>
+      </dgm:t>
+    </dgm:pt>
+    <dgm:pt modelId="{3ADE0267-E7F6-684C-869C-C2EE8BDD6976}" type="parTrans" cxnId="{855227BE-5131-4040-87AB-23DECCE3B3E7}">
+      <dgm:prSet/>
+      <dgm:spPr/>
+      <dgm:t>
+        <a:bodyPr/>
+        <a:lstStyle/>
+        <a:p>
+          <a:endParaRPr lang="en-US"/>
+        </a:p>
+      </dgm:t>
+    </dgm:pt>
+    <dgm:pt modelId="{1E7C609D-8102-6C47-99F8-F074CABA29BD}" type="sibTrans" cxnId="{855227BE-5131-4040-87AB-23DECCE3B3E7}">
+      <dgm:prSet/>
+      <dgm:spPr/>
+      <dgm:t>
+        <a:bodyPr/>
+        <a:lstStyle/>
+        <a:p>
+          <a:endParaRPr lang="en-US"/>
+        </a:p>
+      </dgm:t>
+    </dgm:pt>
+    <dgm:pt modelId="{65760BD8-580C-8F47-9A23-996F4C0EBC5D}">
+      <dgm:prSet phldrT="[Text]" custT="1"/>
+      <dgm:spPr/>
+      <dgm:t>
+        <a:bodyPr anchor="ctr" anchorCtr="0"/>
+        <a:lstStyle/>
+        <a:p>
+          <a:r>
+            <a:rPr lang="en-US" sz="3200" dirty="0">
+              <a:latin typeface="Arial" panose="020B0604020202020204" pitchFamily="34" charset="0"/>
+              <a:cs typeface="Arial" panose="020B0604020202020204" pitchFamily="34" charset="0"/>
+            </a:rPr>
+            <a:t>From </a:t>
+          </a:r>
+          <a:r>
+            <a:rPr lang="en-US" sz="3200" dirty="0" err="1">
+              <a:latin typeface="Arial" panose="020B0604020202020204" pitchFamily="34" charset="0"/>
+              <a:cs typeface="Arial" panose="020B0604020202020204" pitchFamily="34" charset="0"/>
+            </a:rPr>
+            <a:t>Matlab</a:t>
+          </a:r>
+          <a:r>
+            <a:rPr lang="en-US" sz="3200" dirty="0">
+              <a:latin typeface="Arial" panose="020B0604020202020204" pitchFamily="34" charset="0"/>
+              <a:cs typeface="Arial" panose="020B0604020202020204" pitchFamily="34" charset="0"/>
+            </a:rPr>
+            <a:t> data file</a:t>
+          </a:r>
+        </a:p>
+      </dgm:t>
+    </dgm:pt>
+    <dgm:pt modelId="{255D2192-5762-F44E-9391-923F5F58C13A}" type="parTrans" cxnId="{57A388FF-E62A-B24A-A234-0FC344A6CE47}">
+      <dgm:prSet/>
+      <dgm:spPr/>
+      <dgm:t>
+        <a:bodyPr/>
+        <a:lstStyle/>
+        <a:p>
+          <a:endParaRPr lang="en-US"/>
+        </a:p>
+      </dgm:t>
+    </dgm:pt>
+    <dgm:pt modelId="{DDC28B9E-F979-E648-A0AE-624F88C40A73}" type="sibTrans" cxnId="{57A388FF-E62A-B24A-A234-0FC344A6CE47}">
+      <dgm:prSet/>
+      <dgm:spPr/>
+      <dgm:t>
+        <a:bodyPr/>
+        <a:lstStyle/>
+        <a:p>
+          <a:endParaRPr lang="en-US"/>
+        </a:p>
+      </dgm:t>
+    </dgm:pt>
+    <dgm:pt modelId="{98FEF093-7BD7-154B-933F-BDDC4655B614}">
+      <dgm:prSet phldrT="[Text]" custT="1"/>
+      <dgm:spPr/>
+      <dgm:t>
+        <a:bodyPr/>
+        <a:lstStyle/>
+        <a:p>
+          <a:r>
+            <a:rPr lang="en-US" sz="3800" b="1" dirty="0">
+              <a:solidFill>
+                <a:schemeClr val="tx1"/>
+              </a:solidFill>
+              <a:latin typeface="Arial" panose="020B0604020202020204" pitchFamily="34" charset="0"/>
+              <a:cs typeface="Arial" panose="020B0604020202020204" pitchFamily="34" charset="0"/>
+            </a:rPr>
+            <a:t>Inspect</a:t>
+          </a:r>
+        </a:p>
+      </dgm:t>
+    </dgm:pt>
+    <dgm:pt modelId="{A4A06BC2-45BE-FD4C-90BA-1AB9B24D768A}" type="parTrans" cxnId="{8CD389F2-9A62-B543-90B5-BE8658417A7D}">
+      <dgm:prSet/>
+      <dgm:spPr/>
+      <dgm:t>
+        <a:bodyPr/>
+        <a:lstStyle/>
+        <a:p>
+          <a:endParaRPr lang="en-US"/>
+        </a:p>
+      </dgm:t>
+    </dgm:pt>
+    <dgm:pt modelId="{CB6E7D44-7787-304A-98EB-EC872B6A8FA1}" type="sibTrans" cxnId="{8CD389F2-9A62-B543-90B5-BE8658417A7D}">
+      <dgm:prSet/>
+      <dgm:spPr/>
+      <dgm:t>
+        <a:bodyPr/>
+        <a:lstStyle/>
+        <a:p>
+          <a:endParaRPr lang="en-US"/>
+        </a:p>
+      </dgm:t>
+    </dgm:pt>
+    <dgm:pt modelId="{514562F1-BE79-6C4D-91B6-F710FF4441F6}">
+      <dgm:prSet phldrT="[Text]" custT="1"/>
+      <dgm:spPr/>
+      <dgm:t>
+        <a:bodyPr/>
+        <a:lstStyle/>
+        <a:p>
+          <a:r>
+            <a:rPr lang="en-US" sz="3200" dirty="0">
+              <a:latin typeface="Arial" panose="020B0604020202020204" pitchFamily="34" charset="0"/>
+              <a:cs typeface="Arial" panose="020B0604020202020204" pitchFamily="34" charset="0"/>
+            </a:rPr>
+            <a:t>Explore the dataset to get descriptive results</a:t>
+          </a:r>
+        </a:p>
+      </dgm:t>
+    </dgm:pt>
+    <dgm:pt modelId="{66187BB8-EF42-CD44-B720-FCCE89CB2B23}" type="parTrans" cxnId="{4D6E28B7-9A07-154D-9B9B-B7984C85F9EF}">
+      <dgm:prSet/>
+      <dgm:spPr/>
+      <dgm:t>
+        <a:bodyPr/>
+        <a:lstStyle/>
+        <a:p>
+          <a:endParaRPr lang="en-US"/>
+        </a:p>
+      </dgm:t>
+    </dgm:pt>
+    <dgm:pt modelId="{7E8EBF78-1F4A-B747-84F5-0422FF9243EB}" type="sibTrans" cxnId="{4D6E28B7-9A07-154D-9B9B-B7984C85F9EF}">
+      <dgm:prSet/>
+      <dgm:spPr/>
+      <dgm:t>
+        <a:bodyPr/>
+        <a:lstStyle/>
+        <a:p>
+          <a:endParaRPr lang="en-US"/>
+        </a:p>
+      </dgm:t>
+    </dgm:pt>
+    <dgm:pt modelId="{E520D62C-8738-3449-82CC-A4F0770F4BBE}">
+      <dgm:prSet phldrT="[Text]" custT="1"/>
+      <dgm:spPr/>
+      <dgm:t>
+        <a:bodyPr/>
+        <a:lstStyle/>
+        <a:p>
+          <a:r>
+            <a:rPr lang="en-US" sz="3200" dirty="0">
+              <a:latin typeface="Arial" panose="020B0604020202020204" pitchFamily="34" charset="0"/>
+              <a:cs typeface="Arial" panose="020B0604020202020204" pitchFamily="34" charset="0"/>
+            </a:rPr>
+            <a:t>Find out data features and outliers</a:t>
+          </a:r>
+        </a:p>
+      </dgm:t>
+    </dgm:pt>
+    <dgm:pt modelId="{13FCE6C1-B5A9-AB40-9B44-14C2DF4B0A96}" type="parTrans" cxnId="{26F58388-234B-1841-9786-4C20848833AB}">
+      <dgm:prSet/>
+      <dgm:spPr/>
+      <dgm:t>
+        <a:bodyPr/>
+        <a:lstStyle/>
+        <a:p>
+          <a:endParaRPr lang="en-US"/>
+        </a:p>
+      </dgm:t>
+    </dgm:pt>
+    <dgm:pt modelId="{33C38397-ADA4-E74C-841F-B2C57053995C}" type="sibTrans" cxnId="{26F58388-234B-1841-9786-4C20848833AB}">
+      <dgm:prSet/>
+      <dgm:spPr/>
+      <dgm:t>
+        <a:bodyPr/>
+        <a:lstStyle/>
+        <a:p>
+          <a:endParaRPr lang="en-US"/>
+        </a:p>
+      </dgm:t>
+    </dgm:pt>
+    <dgm:pt modelId="{263DA917-E477-4F4A-BF14-93AD591A5FD3}">
+      <dgm:prSet phldrT="[Text]" custT="1"/>
+      <dgm:spPr/>
+      <dgm:t>
+        <a:bodyPr/>
+        <a:lstStyle/>
+        <a:p>
+          <a:r>
+            <a:rPr lang="en-US" sz="3800" b="1" dirty="0">
+              <a:solidFill>
+                <a:schemeClr val="tx1"/>
+              </a:solidFill>
+              <a:latin typeface="Arial" panose="020B0604020202020204" pitchFamily="34" charset="0"/>
+              <a:cs typeface="Arial" panose="020B0604020202020204" pitchFamily="34" charset="0"/>
+            </a:rPr>
+            <a:t>Process</a:t>
+          </a:r>
+        </a:p>
+      </dgm:t>
+    </dgm:pt>
+    <dgm:pt modelId="{353A76DC-83D1-0442-8641-B0D7F57C250C}" type="parTrans" cxnId="{6785B677-A03C-1B45-9E48-773FFD42198B}">
+      <dgm:prSet/>
+      <dgm:spPr/>
+      <dgm:t>
+        <a:bodyPr/>
+        <a:lstStyle/>
+        <a:p>
+          <a:endParaRPr lang="en-US"/>
+        </a:p>
+      </dgm:t>
+    </dgm:pt>
+    <dgm:pt modelId="{777F92C4-0728-9B40-BE56-B04CE5B35F88}" type="sibTrans" cxnId="{6785B677-A03C-1B45-9E48-773FFD42198B}">
+      <dgm:prSet/>
+      <dgm:spPr/>
+      <dgm:t>
+        <a:bodyPr/>
+        <a:lstStyle/>
+        <a:p>
+          <a:endParaRPr lang="en-US"/>
+        </a:p>
+      </dgm:t>
+    </dgm:pt>
+    <dgm:pt modelId="{2CABD736-904B-E04F-BA4A-3B847AB4CB9F}">
+      <dgm:prSet phldrT="[Text]" custT="1"/>
+      <dgm:spPr/>
+      <dgm:t>
+        <a:bodyPr/>
+        <a:lstStyle/>
+        <a:p>
+          <a:r>
+            <a:rPr lang="en-US" sz="3200" dirty="0">
+              <a:latin typeface="Arial" panose="020B0604020202020204" pitchFamily="34" charset="0"/>
+              <a:cs typeface="Arial" panose="020B0604020202020204" pitchFamily="34" charset="0"/>
+            </a:rPr>
+            <a:t>Deal with the problems in datasets</a:t>
+          </a:r>
+        </a:p>
+      </dgm:t>
+    </dgm:pt>
+    <dgm:pt modelId="{B136FC4E-3E03-1F4D-8812-A89371D0E95D}" type="parTrans" cxnId="{E2EBA3E1-219F-3148-AAE5-913901F2B520}">
+      <dgm:prSet/>
+      <dgm:spPr/>
+      <dgm:t>
+        <a:bodyPr/>
+        <a:lstStyle/>
+        <a:p>
+          <a:endParaRPr lang="en-US"/>
+        </a:p>
+      </dgm:t>
+    </dgm:pt>
+    <dgm:pt modelId="{BD1080D6-3D3A-B344-81A0-818042F07345}" type="sibTrans" cxnId="{E2EBA3E1-219F-3148-AAE5-913901F2B520}">
+      <dgm:prSet/>
+      <dgm:spPr/>
+      <dgm:t>
+        <a:bodyPr/>
+        <a:lstStyle/>
+        <a:p>
+          <a:endParaRPr lang="en-US"/>
+        </a:p>
+      </dgm:t>
+    </dgm:pt>
+    <dgm:pt modelId="{D7294F92-1D0E-864F-8504-D9422F398733}">
+      <dgm:prSet phldrT="[Text]" custT="1"/>
+      <dgm:spPr/>
+      <dgm:t>
+        <a:bodyPr anchor="ctr" anchorCtr="0"/>
+        <a:lstStyle/>
+        <a:p>
+          <a:r>
+            <a:rPr lang="en-US" sz="3200" dirty="0">
+              <a:latin typeface="Arial" panose="020B0604020202020204" pitchFamily="34" charset="0"/>
+              <a:cs typeface="Arial" panose="020B0604020202020204" pitchFamily="34" charset="0"/>
+            </a:rPr>
+            <a:t>From online sources or other formats</a:t>
+          </a:r>
+        </a:p>
+      </dgm:t>
+    </dgm:pt>
+    <dgm:pt modelId="{6DF4FDAE-C6D1-2F46-8929-23F4D0FCCB83}" type="parTrans" cxnId="{4ADC6FF0-5806-D24D-912D-D24AD5399249}">
+      <dgm:prSet/>
+      <dgm:spPr/>
+      <dgm:t>
+        <a:bodyPr/>
+        <a:lstStyle/>
+        <a:p>
+          <a:endParaRPr lang="en-US"/>
+        </a:p>
+      </dgm:t>
+    </dgm:pt>
+    <dgm:pt modelId="{9531EC04-253B-B841-9464-692F382A0D9A}" type="sibTrans" cxnId="{4ADC6FF0-5806-D24D-912D-D24AD5399249}">
+      <dgm:prSet/>
+      <dgm:spPr/>
+      <dgm:t>
+        <a:bodyPr/>
+        <a:lstStyle/>
+        <a:p>
+          <a:endParaRPr lang="en-US"/>
+        </a:p>
+      </dgm:t>
+    </dgm:pt>
+    <dgm:pt modelId="{4D57851C-55DB-4646-9352-B46E7E8050D9}">
+      <dgm:prSet phldrT="[Text]" custT="1"/>
+      <dgm:spPr/>
+      <dgm:t>
+        <a:bodyPr/>
+        <a:lstStyle/>
+        <a:p>
+          <a:r>
+            <a:rPr lang="en-US" sz="3200" dirty="0">
+              <a:latin typeface="Arial" panose="020B0604020202020204" pitchFamily="34" charset="0"/>
+              <a:cs typeface="Arial" panose="020B0604020202020204" pitchFamily="34" charset="0"/>
+            </a:rPr>
+            <a:t>Save the dataset </a:t>
+          </a:r>
+        </a:p>
+      </dgm:t>
+    </dgm:pt>
+    <dgm:pt modelId="{B9806477-5FC4-E048-BA22-BB9084D730CB}" type="parTrans" cxnId="{4F6E6506-C0DF-9E4B-A5A7-62252099B645}">
+      <dgm:prSet/>
+      <dgm:spPr/>
+      <dgm:t>
+        <a:bodyPr/>
+        <a:lstStyle/>
+        <a:p>
+          <a:endParaRPr lang="en-US"/>
+        </a:p>
+      </dgm:t>
+    </dgm:pt>
+    <dgm:pt modelId="{2B764139-26C2-0049-AA4F-FF05B7F4F6F6}" type="sibTrans" cxnId="{4F6E6506-C0DF-9E4B-A5A7-62252099B645}">
+      <dgm:prSet/>
+      <dgm:spPr/>
+      <dgm:t>
+        <a:bodyPr/>
+        <a:lstStyle/>
+        <a:p>
+          <a:endParaRPr lang="en-US"/>
+        </a:p>
+      </dgm:t>
+    </dgm:pt>
+    <dgm:pt modelId="{707A7114-2100-ED4D-942A-AD61071355EE}">
+      <dgm:prSet phldrT="[Text]" custT="1"/>
+      <dgm:spPr/>
+      <dgm:t>
+        <a:bodyPr/>
+        <a:lstStyle/>
+        <a:p>
+          <a:r>
+            <a:rPr lang="en-US" sz="3200" dirty="0">
+              <a:latin typeface="Arial" panose="020B0604020202020204" pitchFamily="34" charset="0"/>
+              <a:cs typeface="Arial" panose="020B0604020202020204" pitchFamily="34" charset="0"/>
+            </a:rPr>
+            <a:t>Manipulate data</a:t>
+          </a:r>
+        </a:p>
+      </dgm:t>
+    </dgm:pt>
+    <dgm:pt modelId="{6E7EFFB9-7F8F-FF4A-B016-B0FC338B3961}" type="parTrans" cxnId="{2BBB5031-EB99-C047-BC74-E874CFAF11CD}">
+      <dgm:prSet/>
+      <dgm:spPr/>
+      <dgm:t>
+        <a:bodyPr/>
+        <a:lstStyle/>
+        <a:p>
+          <a:endParaRPr lang="en-US"/>
+        </a:p>
+      </dgm:t>
+    </dgm:pt>
+    <dgm:pt modelId="{90668EA5-DC53-8141-AA66-04617B0B9564}" type="sibTrans" cxnId="{2BBB5031-EB99-C047-BC74-E874CFAF11CD}">
+      <dgm:prSet/>
+      <dgm:spPr/>
+      <dgm:t>
+        <a:bodyPr/>
+        <a:lstStyle/>
+        <a:p>
+          <a:endParaRPr lang="en-US"/>
+        </a:p>
+      </dgm:t>
+    </dgm:pt>
+    <dgm:pt modelId="{F3B28E18-F305-CA4E-A609-EDCC8D15FA29}" type="pres">
+      <dgm:prSet presAssocID="{89DE7FE0-1E15-BF46-9B8E-D93B3BC27A94}" presName="linearFlow" presStyleCnt="0">
+        <dgm:presLayoutVars>
+          <dgm:dir/>
+          <dgm:animLvl val="lvl"/>
+          <dgm:resizeHandles val="exact"/>
+        </dgm:presLayoutVars>
+      </dgm:prSet>
+      <dgm:spPr/>
+    </dgm:pt>
+    <dgm:pt modelId="{9103CCC4-D80C-994C-8CC9-60BDFD1A67CF}" type="pres">
+      <dgm:prSet presAssocID="{D3F160AF-3524-2D4F-91ED-83FB2BA9DA8F}" presName="composite" presStyleCnt="0"/>
+      <dgm:spPr/>
+    </dgm:pt>
+    <dgm:pt modelId="{91758BDD-87C3-CA47-9308-E3EF5FCE68D2}" type="pres">
+      <dgm:prSet presAssocID="{D3F160AF-3524-2D4F-91ED-83FB2BA9DA8F}" presName="parentText" presStyleLbl="alignNode1" presStyleIdx="0" presStyleCnt="3" custScaleX="115428">
+        <dgm:presLayoutVars>
+          <dgm:chMax val="1"/>
+          <dgm:bulletEnabled val="1"/>
+        </dgm:presLayoutVars>
+      </dgm:prSet>
+      <dgm:spPr/>
+    </dgm:pt>
+    <dgm:pt modelId="{15A052F2-1721-AB4D-A07F-500B21FAB00A}" type="pres">
+      <dgm:prSet presAssocID="{D3F160AF-3524-2D4F-91ED-83FB2BA9DA8F}" presName="descendantText" presStyleLbl="alignAcc1" presStyleIdx="0" presStyleCnt="3" custScaleX="96389" custLinFactNeighborX="297">
+        <dgm:presLayoutVars>
+          <dgm:bulletEnabled val="1"/>
+        </dgm:presLayoutVars>
+      </dgm:prSet>
+      <dgm:spPr/>
+    </dgm:pt>
+    <dgm:pt modelId="{45156693-CD2F-F045-B3FD-0CCCF7AFEB43}" type="pres">
+      <dgm:prSet presAssocID="{ED25798F-2DD3-D542-A52E-B6A36B80E83E}" presName="sp" presStyleCnt="0"/>
+      <dgm:spPr/>
+    </dgm:pt>
+    <dgm:pt modelId="{A8E8E5DF-BB65-DE41-AE95-0C35EC059511}" type="pres">
+      <dgm:prSet presAssocID="{98FEF093-7BD7-154B-933F-BDDC4655B614}" presName="composite" presStyleCnt="0"/>
+      <dgm:spPr/>
+    </dgm:pt>
+    <dgm:pt modelId="{13CF8B6B-0153-D14F-9375-DB1048261C75}" type="pres">
+      <dgm:prSet presAssocID="{98FEF093-7BD7-154B-933F-BDDC4655B614}" presName="parentText" presStyleLbl="alignNode1" presStyleIdx="1" presStyleCnt="3" custScaleX="115941">
+        <dgm:presLayoutVars>
+          <dgm:chMax val="1"/>
+          <dgm:bulletEnabled val="1"/>
+        </dgm:presLayoutVars>
+      </dgm:prSet>
+      <dgm:spPr/>
+    </dgm:pt>
+    <dgm:pt modelId="{9E02F898-CA8A-604D-9DC4-81C07A32013C}" type="pres">
+      <dgm:prSet presAssocID="{98FEF093-7BD7-154B-933F-BDDC4655B614}" presName="descendantText" presStyleLbl="alignAcc1" presStyleIdx="1" presStyleCnt="3" custScaleX="96166" custLinFactNeighborX="297">
+        <dgm:presLayoutVars>
+          <dgm:bulletEnabled val="1"/>
+        </dgm:presLayoutVars>
+      </dgm:prSet>
+      <dgm:spPr/>
+    </dgm:pt>
+    <dgm:pt modelId="{471B5D21-1041-A547-A997-F3B74767EAB0}" type="pres">
+      <dgm:prSet presAssocID="{CB6E7D44-7787-304A-98EB-EC872B6A8FA1}" presName="sp" presStyleCnt="0"/>
+      <dgm:spPr/>
+    </dgm:pt>
+    <dgm:pt modelId="{3DA76E2A-EC18-4A45-AC8B-F9C8480468D6}" type="pres">
+      <dgm:prSet presAssocID="{263DA917-E477-4F4A-BF14-93AD591A5FD3}" presName="composite" presStyleCnt="0"/>
+      <dgm:spPr/>
+    </dgm:pt>
+    <dgm:pt modelId="{DDD5CAE5-CA43-4C4E-AA47-B49294EEB2D5}" type="pres">
+      <dgm:prSet presAssocID="{263DA917-E477-4F4A-BF14-93AD591A5FD3}" presName="parentText" presStyleLbl="alignNode1" presStyleIdx="2" presStyleCnt="3" custScaleX="115941">
+        <dgm:presLayoutVars>
+          <dgm:chMax val="1"/>
+          <dgm:bulletEnabled val="1"/>
+        </dgm:presLayoutVars>
+      </dgm:prSet>
+      <dgm:spPr/>
+    </dgm:pt>
+    <dgm:pt modelId="{46F6A35A-F065-574F-A672-AC64D4A93F55}" type="pres">
+      <dgm:prSet presAssocID="{263DA917-E477-4F4A-BF14-93AD591A5FD3}" presName="descendantText" presStyleLbl="alignAcc1" presStyleIdx="2" presStyleCnt="3" custScaleX="96166" custLinFactNeighborX="297">
+        <dgm:presLayoutVars>
+          <dgm:bulletEnabled val="1"/>
+        </dgm:presLayoutVars>
+      </dgm:prSet>
+      <dgm:spPr/>
+    </dgm:pt>
+  </dgm:ptLst>
+  <dgm:cxnLst>
+    <dgm:cxn modelId="{4F6E6506-C0DF-9E4B-A5A7-62252099B645}" srcId="{263DA917-E477-4F4A-BF14-93AD591A5FD3}" destId="{4D57851C-55DB-4646-9352-B46E7E8050D9}" srcOrd="2" destOrd="0" parTransId="{B9806477-5FC4-E048-BA22-BB9084D730CB}" sibTransId="{2B764139-26C2-0049-AA4F-FF05B7F4F6F6}"/>
+    <dgm:cxn modelId="{6E20070E-A731-984F-936C-06EDA6FCB5AA}" type="presOf" srcId="{98FEF093-7BD7-154B-933F-BDDC4655B614}" destId="{13CF8B6B-0153-D14F-9375-DB1048261C75}" srcOrd="0" destOrd="0" presId="urn:microsoft.com/office/officeart/2005/8/layout/chevron2"/>
+    <dgm:cxn modelId="{0DF3481F-C271-6D49-BC29-BE2610924B0E}" type="presOf" srcId="{263DA917-E477-4F4A-BF14-93AD591A5FD3}" destId="{DDD5CAE5-CA43-4C4E-AA47-B49294EEB2D5}" srcOrd="0" destOrd="0" presId="urn:microsoft.com/office/officeart/2005/8/layout/chevron2"/>
+    <dgm:cxn modelId="{2BBB5031-EB99-C047-BC74-E874CFAF11CD}" srcId="{263DA917-E477-4F4A-BF14-93AD591A5FD3}" destId="{707A7114-2100-ED4D-942A-AD61071355EE}" srcOrd="1" destOrd="0" parTransId="{6E7EFFB9-7F8F-FF4A-B016-B0FC338B3961}" sibTransId="{90668EA5-DC53-8141-AA66-04617B0B9564}"/>
+    <dgm:cxn modelId="{DE5C8B39-7115-BF4B-B01D-6F808A4477D9}" type="presOf" srcId="{4D57851C-55DB-4646-9352-B46E7E8050D9}" destId="{46F6A35A-F065-574F-A672-AC64D4A93F55}" srcOrd="0" destOrd="2" presId="urn:microsoft.com/office/officeart/2005/8/layout/chevron2"/>
+    <dgm:cxn modelId="{BA98B142-1DAA-E148-ACD1-3729711B4BA6}" type="presOf" srcId="{514562F1-BE79-6C4D-91B6-F710FF4441F6}" destId="{9E02F898-CA8A-604D-9DC4-81C07A32013C}" srcOrd="0" destOrd="0" presId="urn:microsoft.com/office/officeart/2005/8/layout/chevron2"/>
+    <dgm:cxn modelId="{57713677-823E-DF4F-8FEC-30A958C7B0D8}" type="presOf" srcId="{89DE7FE0-1E15-BF46-9B8E-D93B3BC27A94}" destId="{F3B28E18-F305-CA4E-A609-EDCC8D15FA29}" srcOrd="0" destOrd="0" presId="urn:microsoft.com/office/officeart/2005/8/layout/chevron2"/>
+    <dgm:cxn modelId="{6785B677-A03C-1B45-9E48-773FFD42198B}" srcId="{89DE7FE0-1E15-BF46-9B8E-D93B3BC27A94}" destId="{263DA917-E477-4F4A-BF14-93AD591A5FD3}" srcOrd="2" destOrd="0" parTransId="{353A76DC-83D1-0442-8641-B0D7F57C250C}" sibTransId="{777F92C4-0728-9B40-BE56-B04CE5B35F88}"/>
+    <dgm:cxn modelId="{26F58388-234B-1841-9786-4C20848833AB}" srcId="{98FEF093-7BD7-154B-933F-BDDC4655B614}" destId="{E520D62C-8738-3449-82CC-A4F0770F4BBE}" srcOrd="1" destOrd="0" parTransId="{13FCE6C1-B5A9-AB40-9B44-14C2DF4B0A96}" sibTransId="{33C38397-ADA4-E74C-841F-B2C57053995C}"/>
+    <dgm:cxn modelId="{42FAA1A7-62CD-3342-9C93-572814744FD5}" type="presOf" srcId="{65760BD8-580C-8F47-9A23-996F4C0EBC5D}" destId="{15A052F2-1721-AB4D-A07F-500B21FAB00A}" srcOrd="0" destOrd="1" presId="urn:microsoft.com/office/officeart/2005/8/layout/chevron2"/>
+    <dgm:cxn modelId="{B54C2CA9-1BD3-414C-97C4-2107C12C15C1}" type="presOf" srcId="{E520D62C-8738-3449-82CC-A4F0770F4BBE}" destId="{9E02F898-CA8A-604D-9DC4-81C07A32013C}" srcOrd="0" destOrd="1" presId="urn:microsoft.com/office/officeart/2005/8/layout/chevron2"/>
+    <dgm:cxn modelId="{4D6E28B7-9A07-154D-9B9B-B7984C85F9EF}" srcId="{98FEF093-7BD7-154B-933F-BDDC4655B614}" destId="{514562F1-BE79-6C4D-91B6-F710FF4441F6}" srcOrd="0" destOrd="0" parTransId="{66187BB8-EF42-CD44-B720-FCCE89CB2B23}" sibTransId="{7E8EBF78-1F4A-B747-84F5-0422FF9243EB}"/>
+    <dgm:cxn modelId="{9DCE54BA-667B-2E4C-B97C-5F889B44A152}" srcId="{89DE7FE0-1E15-BF46-9B8E-D93B3BC27A94}" destId="{D3F160AF-3524-2D4F-91ED-83FB2BA9DA8F}" srcOrd="0" destOrd="0" parTransId="{01B26431-458E-D24E-8B30-1AA483D12A64}" sibTransId="{ED25798F-2DD3-D542-A52E-B6A36B80E83E}"/>
+    <dgm:cxn modelId="{855227BE-5131-4040-87AB-23DECCE3B3E7}" srcId="{D3F160AF-3524-2D4F-91ED-83FB2BA9DA8F}" destId="{5AEE49C3-2B5E-B94C-B2B8-5EA45B9D049C}" srcOrd="0" destOrd="0" parTransId="{3ADE0267-E7F6-684C-869C-C2EE8BDD6976}" sibTransId="{1E7C609D-8102-6C47-99F8-F074CABA29BD}"/>
+    <dgm:cxn modelId="{0948BBC5-E0E4-EE4F-9D05-2EFC1439DDC4}" type="presOf" srcId="{D3F160AF-3524-2D4F-91ED-83FB2BA9DA8F}" destId="{91758BDD-87C3-CA47-9308-E3EF5FCE68D2}" srcOrd="0" destOrd="0" presId="urn:microsoft.com/office/officeart/2005/8/layout/chevron2"/>
+    <dgm:cxn modelId="{F6CE39CF-8B0D-364F-BCAF-DE2AB126F269}" type="presOf" srcId="{2CABD736-904B-E04F-BA4A-3B847AB4CB9F}" destId="{46F6A35A-F065-574F-A672-AC64D4A93F55}" srcOrd="0" destOrd="0" presId="urn:microsoft.com/office/officeart/2005/8/layout/chevron2"/>
+    <dgm:cxn modelId="{74ABB1D0-DC6C-AC44-9BC6-812A4E62BE06}" type="presOf" srcId="{D7294F92-1D0E-864F-8504-D9422F398733}" destId="{15A052F2-1721-AB4D-A07F-500B21FAB00A}" srcOrd="0" destOrd="2" presId="urn:microsoft.com/office/officeart/2005/8/layout/chevron2"/>
+    <dgm:cxn modelId="{E2EBA3E1-219F-3148-AAE5-913901F2B520}" srcId="{263DA917-E477-4F4A-BF14-93AD591A5FD3}" destId="{2CABD736-904B-E04F-BA4A-3B847AB4CB9F}" srcOrd="0" destOrd="0" parTransId="{B136FC4E-3E03-1F4D-8812-A89371D0E95D}" sibTransId="{BD1080D6-3D3A-B344-81A0-818042F07345}"/>
+    <dgm:cxn modelId="{720074E3-CAC4-A94B-826A-C18D65507493}" type="presOf" srcId="{5AEE49C3-2B5E-B94C-B2B8-5EA45B9D049C}" destId="{15A052F2-1721-AB4D-A07F-500B21FAB00A}" srcOrd="0" destOrd="0" presId="urn:microsoft.com/office/officeart/2005/8/layout/chevron2"/>
+    <dgm:cxn modelId="{4ADC6FF0-5806-D24D-912D-D24AD5399249}" srcId="{D3F160AF-3524-2D4F-91ED-83FB2BA9DA8F}" destId="{D7294F92-1D0E-864F-8504-D9422F398733}" srcOrd="2" destOrd="0" parTransId="{6DF4FDAE-C6D1-2F46-8929-23F4D0FCCB83}" sibTransId="{9531EC04-253B-B841-9464-692F382A0D9A}"/>
+    <dgm:cxn modelId="{8CD389F2-9A62-B543-90B5-BE8658417A7D}" srcId="{89DE7FE0-1E15-BF46-9B8E-D93B3BC27A94}" destId="{98FEF093-7BD7-154B-933F-BDDC4655B614}" srcOrd="1" destOrd="0" parTransId="{A4A06BC2-45BE-FD4C-90BA-1AB9B24D768A}" sibTransId="{CB6E7D44-7787-304A-98EB-EC872B6A8FA1}"/>
+    <dgm:cxn modelId="{F3AD6CF6-95CD-BA41-A73D-270830749957}" type="presOf" srcId="{707A7114-2100-ED4D-942A-AD61071355EE}" destId="{46F6A35A-F065-574F-A672-AC64D4A93F55}" srcOrd="0" destOrd="1" presId="urn:microsoft.com/office/officeart/2005/8/layout/chevron2"/>
+    <dgm:cxn modelId="{57A388FF-E62A-B24A-A234-0FC344A6CE47}" srcId="{D3F160AF-3524-2D4F-91ED-83FB2BA9DA8F}" destId="{65760BD8-580C-8F47-9A23-996F4C0EBC5D}" srcOrd="1" destOrd="0" parTransId="{255D2192-5762-F44E-9391-923F5F58C13A}" sibTransId="{DDC28B9E-F979-E648-A0AE-624F88C40A73}"/>
+    <dgm:cxn modelId="{77A37F37-3C8D-A840-9419-E3F7EF09C177}" type="presParOf" srcId="{F3B28E18-F305-CA4E-A609-EDCC8D15FA29}" destId="{9103CCC4-D80C-994C-8CC9-60BDFD1A67CF}" srcOrd="0" destOrd="0" presId="urn:microsoft.com/office/officeart/2005/8/layout/chevron2"/>
+    <dgm:cxn modelId="{5514071C-4B47-1942-A245-18B688B98C1C}" type="presParOf" srcId="{9103CCC4-D80C-994C-8CC9-60BDFD1A67CF}" destId="{91758BDD-87C3-CA47-9308-E3EF5FCE68D2}" srcOrd="0" destOrd="0" presId="urn:microsoft.com/office/officeart/2005/8/layout/chevron2"/>
+    <dgm:cxn modelId="{8CEA2C2F-9B20-7141-90AD-5B74D8D8DFA1}" type="presParOf" srcId="{9103CCC4-D80C-994C-8CC9-60BDFD1A67CF}" destId="{15A052F2-1721-AB4D-A07F-500B21FAB00A}" srcOrd="1" destOrd="0" presId="urn:microsoft.com/office/officeart/2005/8/layout/chevron2"/>
+    <dgm:cxn modelId="{A266A8B8-086D-3D41-B334-7A6477AD3392}" type="presParOf" srcId="{F3B28E18-F305-CA4E-A609-EDCC8D15FA29}" destId="{45156693-CD2F-F045-B3FD-0CCCF7AFEB43}" srcOrd="1" destOrd="0" presId="urn:microsoft.com/office/officeart/2005/8/layout/chevron2"/>
+    <dgm:cxn modelId="{815BB9F2-DD5B-134B-AEC4-72D7B1C9444F}" type="presParOf" srcId="{F3B28E18-F305-CA4E-A609-EDCC8D15FA29}" destId="{A8E8E5DF-BB65-DE41-AE95-0C35EC059511}" srcOrd="2" destOrd="0" presId="urn:microsoft.com/office/officeart/2005/8/layout/chevron2"/>
+    <dgm:cxn modelId="{E9E1EC26-B4EA-064F-94AC-83566695B8A0}" type="presParOf" srcId="{A8E8E5DF-BB65-DE41-AE95-0C35EC059511}" destId="{13CF8B6B-0153-D14F-9375-DB1048261C75}" srcOrd="0" destOrd="0" presId="urn:microsoft.com/office/officeart/2005/8/layout/chevron2"/>
+    <dgm:cxn modelId="{20B16317-0A93-DD4F-8555-372DC6B93F9D}" type="presParOf" srcId="{A8E8E5DF-BB65-DE41-AE95-0C35EC059511}" destId="{9E02F898-CA8A-604D-9DC4-81C07A32013C}" srcOrd="1" destOrd="0" presId="urn:microsoft.com/office/officeart/2005/8/layout/chevron2"/>
+    <dgm:cxn modelId="{E2246B35-7600-FF48-8A0E-6BCE3096E3CA}" type="presParOf" srcId="{F3B28E18-F305-CA4E-A609-EDCC8D15FA29}" destId="{471B5D21-1041-A547-A997-F3B74767EAB0}" srcOrd="3" destOrd="0" presId="urn:microsoft.com/office/officeart/2005/8/layout/chevron2"/>
+    <dgm:cxn modelId="{1A07B3E3-DD16-B349-9040-0DEBABCB7433}" type="presParOf" srcId="{F3B28E18-F305-CA4E-A609-EDCC8D15FA29}" destId="{3DA76E2A-EC18-4A45-AC8B-F9C8480468D6}" srcOrd="4" destOrd="0" presId="urn:microsoft.com/office/officeart/2005/8/layout/chevron2"/>
+    <dgm:cxn modelId="{B1524C58-B10F-2A41-8344-68CFB03A11B2}" type="presParOf" srcId="{3DA76E2A-EC18-4A45-AC8B-F9C8480468D6}" destId="{DDD5CAE5-CA43-4C4E-AA47-B49294EEB2D5}" srcOrd="0" destOrd="0" presId="urn:microsoft.com/office/officeart/2005/8/layout/chevron2"/>
+    <dgm:cxn modelId="{C2BF2D2D-7E91-DB49-8282-0A88DD8D8833}" type="presParOf" srcId="{3DA76E2A-EC18-4A45-AC8B-F9C8480468D6}" destId="{46F6A35A-F065-574F-A672-AC64D4A93F55}" srcOrd="1" destOrd="0" presId="urn:microsoft.com/office/officeart/2005/8/layout/chevron2"/>
+  </dgm:cxnLst>
+  <dgm:bg/>
+  <dgm:whole/>
+  <dgm:extLst>
+    <a:ext uri="http://schemas.microsoft.com/office/drawing/2008/diagram">
+      <dsp:dataModelExt xmlns:dsp="http://schemas.microsoft.com/office/drawing/2008/diagram" relId="rId46" minVer="http://schemas.openxmlformats.org/drawingml/2006/diagram"/>
+    </a:ext>
+  </dgm:extLst>
+</dgm:dataModel>
+</file>
+
 <file path=ppt/diagrams/drawing1.xml><?xml version="1.0" encoding="utf-8"?>
+<dsp:drawing xmlns:dgm="http://schemas.openxmlformats.org/drawingml/2006/diagram" xmlns:dsp="http://schemas.microsoft.com/office/drawing/2008/diagram" xmlns:a="http://schemas.openxmlformats.org/drawingml/2006/main">
+  <dsp:spTree>
+    <dsp:nvGrpSpPr>
+      <dsp:cNvPr id="0" name=""/>
+      <dsp:cNvGrpSpPr/>
+    </dsp:nvGrpSpPr>
+    <dsp:grpSpPr/>
+    <dsp:sp modelId="{91758BDD-87C3-CA47-9308-E3EF5FCE68D2}">
+      <dsp:nvSpPr>
+        <dsp:cNvPr id="0" name=""/>
+        <dsp:cNvSpPr/>
+      </dsp:nvSpPr>
+      <dsp:spPr>
+        <a:xfrm rot="5400000">
+          <a:off x="-239721" y="252634"/>
+          <a:ext cx="2552790" cy="2062644"/>
+        </a:xfrm>
+        <a:prstGeom prst="chevron">
+          <a:avLst/>
+        </a:prstGeom>
+        <a:solidFill>
+          <a:schemeClr val="accent1">
+            <a:hueOff val="0"/>
+            <a:satOff val="0"/>
+            <a:lumOff val="0"/>
+            <a:alphaOff val="0"/>
+          </a:schemeClr>
+        </a:solidFill>
+        <a:ln w="25400" cap="flat" cmpd="sng" algn="ctr">
+          <a:solidFill>
+            <a:schemeClr val="accent1">
+              <a:hueOff val="0"/>
+              <a:satOff val="0"/>
+              <a:lumOff val="0"/>
+              <a:alphaOff val="0"/>
+            </a:schemeClr>
+          </a:solidFill>
+          <a:prstDash val="solid"/>
+        </a:ln>
+        <a:effectLst/>
+      </dsp:spPr>
+      <dsp:style>
+        <a:lnRef idx="2">
+          <a:scrgbClr r="0" g="0" b="0"/>
+        </a:lnRef>
+        <a:fillRef idx="1">
+          <a:scrgbClr r="0" g="0" b="0"/>
+        </a:fillRef>
+        <a:effectRef idx="0">
+          <a:scrgbClr r="0" g="0" b="0"/>
+        </a:effectRef>
+        <a:fontRef idx="minor">
+          <a:schemeClr val="lt1"/>
+        </a:fontRef>
+      </dsp:style>
+      <dsp:txBody>
+        <a:bodyPr spcFirstLastPara="0" vert="horz" wrap="square" lIns="24130" tIns="24130" rIns="24130" bIns="24130" numCol="1" spcCol="1270" anchor="ctr" anchorCtr="0">
+          <a:noAutofit/>
+        </a:bodyPr>
+        <a:lstStyle/>
+        <a:p>
+          <a:pPr marL="0" lvl="0" indent="0" algn="ctr" defTabSz="1689100">
+            <a:lnSpc>
+              <a:spcPct val="90000"/>
+            </a:lnSpc>
+            <a:spcBef>
+              <a:spcPct val="0"/>
+            </a:spcBef>
+            <a:spcAft>
+              <a:spcPct val="35000"/>
+            </a:spcAft>
+            <a:buNone/>
+          </a:pPr>
+          <a:r>
+            <a:rPr lang="en-US" sz="3800" b="1" kern="1200" dirty="0">
+              <a:solidFill>
+                <a:schemeClr val="tx1"/>
+              </a:solidFill>
+              <a:latin typeface="Arial" panose="020B0604020202020204" pitchFamily="34" charset="0"/>
+              <a:cs typeface="Arial" panose="020B0604020202020204" pitchFamily="34" charset="0"/>
+            </a:rPr>
+            <a:t>Import</a:t>
+          </a:r>
+        </a:p>
+      </dsp:txBody>
+      <dsp:txXfrm rot="-5400000">
+        <a:off x="5352" y="1038883"/>
+        <a:ext cx="2062644" cy="490146"/>
+      </dsp:txXfrm>
+    </dsp:sp>
+    <dsp:sp modelId="{15A052F2-1721-AB4D-A07F-500B21FAB00A}">
+      <dsp:nvSpPr>
+        <dsp:cNvPr id="0" name=""/>
+        <dsp:cNvSpPr/>
+      </dsp:nvSpPr>
+      <dsp:spPr>
+        <a:xfrm rot="5400000">
+          <a:off x="5219177" y="-3127566"/>
+          <a:ext cx="1660186" cy="7930442"/>
+        </a:xfrm>
+        <a:prstGeom prst="round2SameRect">
+          <a:avLst/>
+        </a:prstGeom>
+        <a:solidFill>
+          <a:schemeClr val="lt1">
+            <a:alpha val="90000"/>
+            <a:hueOff val="0"/>
+            <a:satOff val="0"/>
+            <a:lumOff val="0"/>
+            <a:alphaOff val="0"/>
+          </a:schemeClr>
+        </a:solidFill>
+        <a:ln w="25400" cap="flat" cmpd="sng" algn="ctr">
+          <a:solidFill>
+            <a:schemeClr val="accent1">
+              <a:hueOff val="0"/>
+              <a:satOff val="0"/>
+              <a:lumOff val="0"/>
+              <a:alphaOff val="0"/>
+            </a:schemeClr>
+          </a:solidFill>
+          <a:prstDash val="solid"/>
+        </a:ln>
+        <a:effectLst/>
+      </dsp:spPr>
+      <dsp:style>
+        <a:lnRef idx="2">
+          <a:scrgbClr r="0" g="0" b="0"/>
+        </a:lnRef>
+        <a:fillRef idx="1">
+          <a:scrgbClr r="0" g="0" b="0"/>
+        </a:fillRef>
+        <a:effectRef idx="0">
+          <a:scrgbClr r="0" g="0" b="0"/>
+        </a:effectRef>
+        <a:fontRef idx="minor"/>
+      </dsp:style>
+      <dsp:txBody>
+        <a:bodyPr spcFirstLastPara="0" vert="horz" wrap="square" lIns="227584" tIns="20320" rIns="20320" bIns="20320" numCol="1" spcCol="1270" anchor="ctr" anchorCtr="0">
+          <a:noAutofit/>
+        </a:bodyPr>
+        <a:lstStyle/>
+        <a:p>
+          <a:pPr marL="285750" lvl="1" indent="-285750" algn="l" defTabSz="1422400">
+            <a:lnSpc>
+              <a:spcPct val="90000"/>
+            </a:lnSpc>
+            <a:spcBef>
+              <a:spcPct val="0"/>
+            </a:spcBef>
+            <a:spcAft>
+              <a:spcPct val="15000"/>
+            </a:spcAft>
+            <a:buChar char="•"/>
+          </a:pPr>
+          <a:r>
+            <a:rPr lang="en-US" sz="3200" kern="1200" dirty="0">
+              <a:latin typeface="Arial" panose="020B0604020202020204" pitchFamily="34" charset="0"/>
+              <a:cs typeface="Arial" panose="020B0604020202020204" pitchFamily="34" charset="0"/>
+            </a:rPr>
+            <a:t>From spreadsheet files</a:t>
+          </a:r>
+        </a:p>
+        <a:p>
+          <a:pPr marL="285750" lvl="1" indent="-285750" algn="l" defTabSz="1422400">
+            <a:lnSpc>
+              <a:spcPct val="90000"/>
+            </a:lnSpc>
+            <a:spcBef>
+              <a:spcPct val="0"/>
+            </a:spcBef>
+            <a:spcAft>
+              <a:spcPct val="15000"/>
+            </a:spcAft>
+            <a:buChar char="•"/>
+          </a:pPr>
+          <a:r>
+            <a:rPr lang="en-US" sz="3200" kern="1200" dirty="0">
+              <a:latin typeface="Arial" panose="020B0604020202020204" pitchFamily="34" charset="0"/>
+              <a:cs typeface="Arial" panose="020B0604020202020204" pitchFamily="34" charset="0"/>
+            </a:rPr>
+            <a:t>From </a:t>
+          </a:r>
+          <a:r>
+            <a:rPr lang="en-US" sz="3200" kern="1200" dirty="0" err="1">
+              <a:latin typeface="Arial" panose="020B0604020202020204" pitchFamily="34" charset="0"/>
+              <a:cs typeface="Arial" panose="020B0604020202020204" pitchFamily="34" charset="0"/>
+            </a:rPr>
+            <a:t>Matlab</a:t>
+          </a:r>
+          <a:r>
+            <a:rPr lang="en-US" sz="3200" kern="1200" dirty="0">
+              <a:latin typeface="Arial" panose="020B0604020202020204" pitchFamily="34" charset="0"/>
+              <a:cs typeface="Arial" panose="020B0604020202020204" pitchFamily="34" charset="0"/>
+            </a:rPr>
+            <a:t> data file</a:t>
+          </a:r>
+        </a:p>
+        <a:p>
+          <a:pPr marL="285750" lvl="1" indent="-285750" algn="l" defTabSz="1422400">
+            <a:lnSpc>
+              <a:spcPct val="90000"/>
+            </a:lnSpc>
+            <a:spcBef>
+              <a:spcPct val="0"/>
+            </a:spcBef>
+            <a:spcAft>
+              <a:spcPct val="15000"/>
+            </a:spcAft>
+            <a:buChar char="•"/>
+          </a:pPr>
+          <a:r>
+            <a:rPr lang="en-US" sz="3200" kern="1200" dirty="0">
+              <a:latin typeface="Arial" panose="020B0604020202020204" pitchFamily="34" charset="0"/>
+              <a:cs typeface="Arial" panose="020B0604020202020204" pitchFamily="34" charset="0"/>
+            </a:rPr>
+            <a:t>From online sources or other formats</a:t>
+          </a:r>
+        </a:p>
+      </dsp:txBody>
+      <dsp:txXfrm rot="-5400000">
+        <a:off x="2084049" y="88606"/>
+        <a:ext cx="7849398" cy="1498098"/>
+      </dsp:txXfrm>
+    </dsp:sp>
+    <dsp:sp modelId="{13CF8B6B-0153-D14F-9375-DB1048261C75}">
+      <dsp:nvSpPr>
+        <dsp:cNvPr id="0" name=""/>
+        <dsp:cNvSpPr/>
+      </dsp:nvSpPr>
+      <dsp:spPr>
+        <a:xfrm rot="5400000">
+          <a:off x="-235138" y="2613483"/>
+          <a:ext cx="2552790" cy="2071811"/>
+        </a:xfrm>
+        <a:prstGeom prst="chevron">
+          <a:avLst/>
+        </a:prstGeom>
+        <a:solidFill>
+          <a:schemeClr val="accent1">
+            <a:hueOff val="0"/>
+            <a:satOff val="0"/>
+            <a:lumOff val="0"/>
+            <a:alphaOff val="0"/>
+          </a:schemeClr>
+        </a:solidFill>
+        <a:ln w="25400" cap="flat" cmpd="sng" algn="ctr">
+          <a:solidFill>
+            <a:schemeClr val="accent1">
+              <a:hueOff val="0"/>
+              <a:satOff val="0"/>
+              <a:lumOff val="0"/>
+              <a:alphaOff val="0"/>
+            </a:schemeClr>
+          </a:solidFill>
+          <a:prstDash val="solid"/>
+        </a:ln>
+        <a:effectLst/>
+      </dsp:spPr>
+      <dsp:style>
+        <a:lnRef idx="2">
+          <a:scrgbClr r="0" g="0" b="0"/>
+        </a:lnRef>
+        <a:fillRef idx="1">
+          <a:scrgbClr r="0" g="0" b="0"/>
+        </a:fillRef>
+        <a:effectRef idx="0">
+          <a:scrgbClr r="0" g="0" b="0"/>
+        </a:effectRef>
+        <a:fontRef idx="minor">
+          <a:schemeClr val="lt1"/>
+        </a:fontRef>
+      </dsp:style>
+      <dsp:txBody>
+        <a:bodyPr spcFirstLastPara="0" vert="horz" wrap="square" lIns="24130" tIns="24130" rIns="24130" bIns="24130" numCol="1" spcCol="1270" anchor="ctr" anchorCtr="0">
+          <a:noAutofit/>
+        </a:bodyPr>
+        <a:lstStyle/>
+        <a:p>
+          <a:pPr marL="0" lvl="0" indent="0" algn="ctr" defTabSz="1689100">
+            <a:lnSpc>
+              <a:spcPct val="90000"/>
+            </a:lnSpc>
+            <a:spcBef>
+              <a:spcPct val="0"/>
+            </a:spcBef>
+            <a:spcAft>
+              <a:spcPct val="35000"/>
+            </a:spcAft>
+            <a:buNone/>
+          </a:pPr>
+          <a:r>
+            <a:rPr lang="en-US" sz="3800" b="1" kern="1200" dirty="0">
+              <a:solidFill>
+                <a:schemeClr val="tx1"/>
+              </a:solidFill>
+              <a:latin typeface="Arial" panose="020B0604020202020204" pitchFamily="34" charset="0"/>
+              <a:cs typeface="Arial" panose="020B0604020202020204" pitchFamily="34" charset="0"/>
+            </a:rPr>
+            <a:t>Inspect</a:t>
+          </a:r>
+        </a:p>
+      </dsp:txBody>
+      <dsp:txXfrm rot="-5400000">
+        <a:off x="5352" y="3408900"/>
+        <a:ext cx="2071811" cy="480979"/>
+      </dsp:txXfrm>
+    </dsp:sp>
+    <dsp:sp modelId="{9E02F898-CA8A-604D-9DC4-81C07A32013C}">
+      <dsp:nvSpPr>
+        <dsp:cNvPr id="0" name=""/>
+        <dsp:cNvSpPr/>
+      </dsp:nvSpPr>
+      <dsp:spPr>
+        <a:xfrm rot="5400000">
+          <a:off x="5228787" y="-753396"/>
+          <a:ext cx="1659313" cy="7912095"/>
+        </a:xfrm>
+        <a:prstGeom prst="round2SameRect">
+          <a:avLst/>
+        </a:prstGeom>
+        <a:solidFill>
+          <a:schemeClr val="lt1">
+            <a:alpha val="90000"/>
+            <a:hueOff val="0"/>
+            <a:satOff val="0"/>
+            <a:lumOff val="0"/>
+            <a:alphaOff val="0"/>
+          </a:schemeClr>
+        </a:solidFill>
+        <a:ln w="25400" cap="flat" cmpd="sng" algn="ctr">
+          <a:solidFill>
+            <a:schemeClr val="accent1">
+              <a:hueOff val="0"/>
+              <a:satOff val="0"/>
+              <a:lumOff val="0"/>
+              <a:alphaOff val="0"/>
+            </a:schemeClr>
+          </a:solidFill>
+          <a:prstDash val="solid"/>
+        </a:ln>
+        <a:effectLst/>
+      </dsp:spPr>
+      <dsp:style>
+        <a:lnRef idx="2">
+          <a:scrgbClr r="0" g="0" b="0"/>
+        </a:lnRef>
+        <a:fillRef idx="1">
+          <a:scrgbClr r="0" g="0" b="0"/>
+        </a:fillRef>
+        <a:effectRef idx="0">
+          <a:scrgbClr r="0" g="0" b="0"/>
+        </a:effectRef>
+        <a:fontRef idx="minor"/>
+      </dsp:style>
+      <dsp:txBody>
+        <a:bodyPr spcFirstLastPara="0" vert="horz" wrap="square" lIns="227584" tIns="20320" rIns="20320" bIns="20320" numCol="1" spcCol="1270" anchor="ctr" anchorCtr="0">
+          <a:noAutofit/>
+        </a:bodyPr>
+        <a:lstStyle/>
+        <a:p>
+          <a:pPr marL="285750" lvl="1" indent="-285750" algn="l" defTabSz="1422400">
+            <a:lnSpc>
+              <a:spcPct val="90000"/>
+            </a:lnSpc>
+            <a:spcBef>
+              <a:spcPct val="0"/>
+            </a:spcBef>
+            <a:spcAft>
+              <a:spcPct val="15000"/>
+            </a:spcAft>
+            <a:buChar char="•"/>
+          </a:pPr>
+          <a:r>
+            <a:rPr lang="en-US" sz="3200" kern="1200" dirty="0">
+              <a:latin typeface="Arial" panose="020B0604020202020204" pitchFamily="34" charset="0"/>
+              <a:cs typeface="Arial" panose="020B0604020202020204" pitchFamily="34" charset="0"/>
+            </a:rPr>
+            <a:t>Explore the dataset to get descriptive results</a:t>
+          </a:r>
+        </a:p>
+        <a:p>
+          <a:pPr marL="285750" lvl="1" indent="-285750" algn="l" defTabSz="1422400">
+            <a:lnSpc>
+              <a:spcPct val="90000"/>
+            </a:lnSpc>
+            <a:spcBef>
+              <a:spcPct val="0"/>
+            </a:spcBef>
+            <a:spcAft>
+              <a:spcPct val="15000"/>
+            </a:spcAft>
+            <a:buChar char="•"/>
+          </a:pPr>
+          <a:r>
+            <a:rPr lang="en-US" sz="3200" kern="1200" dirty="0">
+              <a:latin typeface="Arial" panose="020B0604020202020204" pitchFamily="34" charset="0"/>
+              <a:cs typeface="Arial" panose="020B0604020202020204" pitchFamily="34" charset="0"/>
+            </a:rPr>
+            <a:t>Find out data features and outliers</a:t>
+          </a:r>
+        </a:p>
+      </dsp:txBody>
+      <dsp:txXfrm rot="-5400000">
+        <a:off x="2102397" y="2453995"/>
+        <a:ext cx="7831094" cy="1497311"/>
+      </dsp:txXfrm>
+    </dsp:sp>
+    <dsp:sp modelId="{DDD5CAE5-CA43-4C4E-AA47-B49294EEB2D5}">
+      <dsp:nvSpPr>
+        <dsp:cNvPr id="0" name=""/>
+        <dsp:cNvSpPr/>
+      </dsp:nvSpPr>
+      <dsp:spPr>
+        <a:xfrm rot="5400000">
+          <a:off x="-235138" y="4978916"/>
+          <a:ext cx="2552790" cy="2071811"/>
+        </a:xfrm>
+        <a:prstGeom prst="chevron">
+          <a:avLst/>
+        </a:prstGeom>
+        <a:solidFill>
+          <a:schemeClr val="accent1">
+            <a:hueOff val="0"/>
+            <a:satOff val="0"/>
+            <a:lumOff val="0"/>
+            <a:alphaOff val="0"/>
+          </a:schemeClr>
+        </a:solidFill>
+        <a:ln w="25400" cap="flat" cmpd="sng" algn="ctr">
+          <a:solidFill>
+            <a:schemeClr val="accent1">
+              <a:hueOff val="0"/>
+              <a:satOff val="0"/>
+              <a:lumOff val="0"/>
+              <a:alphaOff val="0"/>
+            </a:schemeClr>
+          </a:solidFill>
+          <a:prstDash val="solid"/>
+        </a:ln>
+        <a:effectLst/>
+      </dsp:spPr>
+      <dsp:style>
+        <a:lnRef idx="2">
+          <a:scrgbClr r="0" g="0" b="0"/>
+        </a:lnRef>
+        <a:fillRef idx="1">
+          <a:scrgbClr r="0" g="0" b="0"/>
+        </a:fillRef>
+        <a:effectRef idx="0">
+          <a:scrgbClr r="0" g="0" b="0"/>
+        </a:effectRef>
+        <a:fontRef idx="minor">
+          <a:schemeClr val="lt1"/>
+        </a:fontRef>
+      </dsp:style>
+      <dsp:txBody>
+        <a:bodyPr spcFirstLastPara="0" vert="horz" wrap="square" lIns="24130" tIns="24130" rIns="24130" bIns="24130" numCol="1" spcCol="1270" anchor="ctr" anchorCtr="0">
+          <a:noAutofit/>
+        </a:bodyPr>
+        <a:lstStyle/>
+        <a:p>
+          <a:pPr marL="0" lvl="0" indent="0" algn="ctr" defTabSz="1689100">
+            <a:lnSpc>
+              <a:spcPct val="90000"/>
+            </a:lnSpc>
+            <a:spcBef>
+              <a:spcPct val="0"/>
+            </a:spcBef>
+            <a:spcAft>
+              <a:spcPct val="35000"/>
+            </a:spcAft>
+            <a:buNone/>
+          </a:pPr>
+          <a:r>
+            <a:rPr lang="en-US" sz="3800" b="1" kern="1200" dirty="0">
+              <a:solidFill>
+                <a:schemeClr val="tx1"/>
+              </a:solidFill>
+              <a:latin typeface="Arial" panose="020B0604020202020204" pitchFamily="34" charset="0"/>
+              <a:cs typeface="Arial" panose="020B0604020202020204" pitchFamily="34" charset="0"/>
+            </a:rPr>
+            <a:t>Process</a:t>
+          </a:r>
+        </a:p>
+      </dsp:txBody>
+      <dsp:txXfrm rot="-5400000">
+        <a:off x="5352" y="5774333"/>
+        <a:ext cx="2071811" cy="480979"/>
+      </dsp:txXfrm>
+    </dsp:sp>
+    <dsp:sp modelId="{46F6A35A-F065-574F-A672-AC64D4A93F55}">
+      <dsp:nvSpPr>
+        <dsp:cNvPr id="0" name=""/>
+        <dsp:cNvSpPr/>
+      </dsp:nvSpPr>
+      <dsp:spPr>
+        <a:xfrm rot="5400000">
+          <a:off x="5228787" y="1612036"/>
+          <a:ext cx="1659313" cy="7912095"/>
+        </a:xfrm>
+        <a:prstGeom prst="round2SameRect">
+          <a:avLst/>
+        </a:prstGeom>
+        <a:solidFill>
+          <a:schemeClr val="lt1">
+            <a:alpha val="90000"/>
+            <a:hueOff val="0"/>
+            <a:satOff val="0"/>
+            <a:lumOff val="0"/>
+            <a:alphaOff val="0"/>
+          </a:schemeClr>
+        </a:solidFill>
+        <a:ln w="25400" cap="flat" cmpd="sng" algn="ctr">
+          <a:solidFill>
+            <a:schemeClr val="accent1">
+              <a:hueOff val="0"/>
+              <a:satOff val="0"/>
+              <a:lumOff val="0"/>
+              <a:alphaOff val="0"/>
+            </a:schemeClr>
+          </a:solidFill>
+          <a:prstDash val="solid"/>
+        </a:ln>
+        <a:effectLst/>
+      </dsp:spPr>
+      <dsp:style>
+        <a:lnRef idx="2">
+          <a:scrgbClr r="0" g="0" b="0"/>
+        </a:lnRef>
+        <a:fillRef idx="1">
+          <a:scrgbClr r="0" g="0" b="0"/>
+        </a:fillRef>
+        <a:effectRef idx="0">
+          <a:scrgbClr r="0" g="0" b="0"/>
+        </a:effectRef>
+        <a:fontRef idx="minor"/>
+      </dsp:style>
+      <dsp:txBody>
+        <a:bodyPr spcFirstLastPara="0" vert="horz" wrap="square" lIns="227584" tIns="20320" rIns="20320" bIns="20320" numCol="1" spcCol="1270" anchor="ctr" anchorCtr="0">
+          <a:noAutofit/>
+        </a:bodyPr>
+        <a:lstStyle/>
+        <a:p>
+          <a:pPr marL="285750" lvl="1" indent="-285750" algn="l" defTabSz="1422400">
+            <a:lnSpc>
+              <a:spcPct val="90000"/>
+            </a:lnSpc>
+            <a:spcBef>
+              <a:spcPct val="0"/>
+            </a:spcBef>
+            <a:spcAft>
+              <a:spcPct val="15000"/>
+            </a:spcAft>
+            <a:buChar char="•"/>
+          </a:pPr>
+          <a:r>
+            <a:rPr lang="en-US" sz="3200" kern="1200" dirty="0">
+              <a:latin typeface="Arial" panose="020B0604020202020204" pitchFamily="34" charset="0"/>
+              <a:cs typeface="Arial" panose="020B0604020202020204" pitchFamily="34" charset="0"/>
+            </a:rPr>
+            <a:t>Deal with the problems in datasets</a:t>
+          </a:r>
+        </a:p>
+        <a:p>
+          <a:pPr marL="285750" lvl="1" indent="-285750" algn="l" defTabSz="1422400">
+            <a:lnSpc>
+              <a:spcPct val="90000"/>
+            </a:lnSpc>
+            <a:spcBef>
+              <a:spcPct val="0"/>
+            </a:spcBef>
+            <a:spcAft>
+              <a:spcPct val="15000"/>
+            </a:spcAft>
+            <a:buChar char="•"/>
+          </a:pPr>
+          <a:r>
+            <a:rPr lang="en-US" sz="3200" kern="1200" dirty="0">
+              <a:latin typeface="Arial" panose="020B0604020202020204" pitchFamily="34" charset="0"/>
+              <a:cs typeface="Arial" panose="020B0604020202020204" pitchFamily="34" charset="0"/>
+            </a:rPr>
+            <a:t>Manipulate data</a:t>
+          </a:r>
+        </a:p>
+        <a:p>
+          <a:pPr marL="285750" lvl="1" indent="-285750" algn="l" defTabSz="1422400">
+            <a:lnSpc>
+              <a:spcPct val="90000"/>
+            </a:lnSpc>
+            <a:spcBef>
+              <a:spcPct val="0"/>
+            </a:spcBef>
+            <a:spcAft>
+              <a:spcPct val="15000"/>
+            </a:spcAft>
+            <a:buChar char="•"/>
+          </a:pPr>
+          <a:r>
+            <a:rPr lang="en-US" sz="3200" kern="1200" dirty="0">
+              <a:latin typeface="Arial" panose="020B0604020202020204" pitchFamily="34" charset="0"/>
+              <a:cs typeface="Arial" panose="020B0604020202020204" pitchFamily="34" charset="0"/>
+            </a:rPr>
+            <a:t>Save the dataset </a:t>
+          </a:r>
+        </a:p>
+      </dsp:txBody>
+      <dsp:txXfrm rot="-5400000">
+        <a:off x="2102397" y="4819428"/>
+        <a:ext cx="7831094" cy="1497311"/>
+      </dsp:txXfrm>
+    </dsp:sp>
+  </dsp:spTree>
+</dsp:drawing>
+</file>
+
+<file path=ppt/diagrams/drawing2.xml><?xml version="1.0" encoding="utf-8"?>
 <dsp:drawing xmlns:dgm="http://schemas.openxmlformats.org/drawingml/2006/diagram" xmlns:dsp="http://schemas.microsoft.com/office/drawing/2008/diagram" xmlns:a="http://schemas.openxmlformats.org/drawingml/2006/main">
   <dsp:spTree>
     <dsp:nvGrpSpPr>
@@ -2382,7 +4340,1297 @@
 </dgm:layoutDef>
 </file>
 
+<file path=ppt/diagrams/layout2.xml><?xml version="1.0" encoding="utf-8"?>
+<dgm:layoutDef xmlns:dgm="http://schemas.openxmlformats.org/drawingml/2006/diagram" xmlns:a="http://schemas.openxmlformats.org/drawingml/2006/main" uniqueId="urn:microsoft.com/office/officeart/2005/8/layout/chevron2">
+  <dgm:title val=""/>
+  <dgm:desc val=""/>
+  <dgm:catLst>
+    <dgm:cat type="process" pri="12000"/>
+    <dgm:cat type="list" pri="16000"/>
+    <dgm:cat type="convert" pri="11000"/>
+  </dgm:catLst>
+  <dgm:sampData>
+    <dgm:dataModel>
+      <dgm:ptLst>
+        <dgm:pt modelId="0" type="doc"/>
+        <dgm:pt modelId="1">
+          <dgm:prSet phldr="1"/>
+        </dgm:pt>
+        <dgm:pt modelId="11">
+          <dgm:prSet phldr="1"/>
+        </dgm:pt>
+        <dgm:pt modelId="12">
+          <dgm:prSet phldr="1"/>
+        </dgm:pt>
+        <dgm:pt modelId="2">
+          <dgm:prSet phldr="1"/>
+        </dgm:pt>
+        <dgm:pt modelId="21">
+          <dgm:prSet phldr="1"/>
+        </dgm:pt>
+        <dgm:pt modelId="22">
+          <dgm:prSet phldr="1"/>
+        </dgm:pt>
+        <dgm:pt modelId="3">
+          <dgm:prSet phldr="1"/>
+        </dgm:pt>
+        <dgm:pt modelId="31">
+          <dgm:prSet phldr="1"/>
+        </dgm:pt>
+        <dgm:pt modelId="32">
+          <dgm:prSet phldr="1"/>
+        </dgm:pt>
+      </dgm:ptLst>
+      <dgm:cxnLst>
+        <dgm:cxn modelId="4" srcId="0" destId="1" srcOrd="0" destOrd="0"/>
+        <dgm:cxn modelId="5" srcId="0" destId="2" srcOrd="1" destOrd="0"/>
+        <dgm:cxn modelId="6" srcId="0" destId="3" srcOrd="2" destOrd="0"/>
+        <dgm:cxn modelId="13" srcId="1" destId="11" srcOrd="0" destOrd="0"/>
+        <dgm:cxn modelId="14" srcId="1" destId="12" srcOrd="1" destOrd="0"/>
+        <dgm:cxn modelId="23" srcId="2" destId="21" srcOrd="0" destOrd="0"/>
+        <dgm:cxn modelId="24" srcId="2" destId="22" srcOrd="1" destOrd="0"/>
+        <dgm:cxn modelId="33" srcId="3" destId="31" srcOrd="0" destOrd="0"/>
+        <dgm:cxn modelId="34" srcId="3" destId="32" srcOrd="1" destOrd="0"/>
+      </dgm:cxnLst>
+      <dgm:bg/>
+      <dgm:whole/>
+    </dgm:dataModel>
+  </dgm:sampData>
+  <dgm:styleData>
+    <dgm:dataModel>
+      <dgm:ptLst>
+        <dgm:pt modelId="0" type="doc"/>
+        <dgm:pt modelId="1"/>
+      </dgm:ptLst>
+      <dgm:cxnLst>
+        <dgm:cxn modelId="4" srcId="0" destId="1" srcOrd="0" destOrd="0"/>
+      </dgm:cxnLst>
+      <dgm:bg/>
+      <dgm:whole/>
+    </dgm:dataModel>
+  </dgm:styleData>
+  <dgm:clrData>
+    <dgm:dataModel>
+      <dgm:ptLst>
+        <dgm:pt modelId="0" type="doc"/>
+        <dgm:pt modelId="1"/>
+        <dgm:pt modelId="11"/>
+        <dgm:pt modelId="2"/>
+        <dgm:pt modelId="21"/>
+        <dgm:pt modelId="3"/>
+        <dgm:pt modelId="31"/>
+        <dgm:pt modelId="4"/>
+        <dgm:pt modelId="41"/>
+      </dgm:ptLst>
+      <dgm:cxnLst>
+        <dgm:cxn modelId="5" srcId="0" destId="1" srcOrd="0" destOrd="0"/>
+        <dgm:cxn modelId="6" srcId="0" destId="2" srcOrd="1" destOrd="0"/>
+        <dgm:cxn modelId="7" srcId="0" destId="3" srcOrd="2" destOrd="0"/>
+        <dgm:cxn modelId="8" srcId="0" destId="4" srcOrd="3" destOrd="0"/>
+        <dgm:cxn modelId="13" srcId="1" destId="11" srcOrd="0" destOrd="0"/>
+        <dgm:cxn modelId="23" srcId="2" destId="21" srcOrd="0" destOrd="0"/>
+        <dgm:cxn modelId="33" srcId="3" destId="31" srcOrd="0" destOrd="0"/>
+        <dgm:cxn modelId="43" srcId="4" destId="41" srcOrd="0" destOrd="0"/>
+      </dgm:cxnLst>
+      <dgm:bg/>
+      <dgm:whole/>
+    </dgm:dataModel>
+  </dgm:clrData>
+  <dgm:layoutNode name="linearFlow">
+    <dgm:varLst>
+      <dgm:dir/>
+      <dgm:animLvl val="lvl"/>
+      <dgm:resizeHandles val="exact"/>
+    </dgm:varLst>
+    <dgm:alg type="lin">
+      <dgm:param type="linDir" val="fromT"/>
+      <dgm:param type="nodeHorzAlign" val="l"/>
+    </dgm:alg>
+    <dgm:shape xmlns:r="http://schemas.openxmlformats.org/officeDocument/2006/relationships" r:blip="">
+      <dgm:adjLst/>
+    </dgm:shape>
+    <dgm:presOf/>
+    <dgm:constrLst>
+      <dgm:constr type="h" for="ch" forName="composite" refType="h"/>
+      <dgm:constr type="w" for="ch" forName="composite" refType="w"/>
+      <dgm:constr type="h" for="des" forName="parentText" op="equ"/>
+      <dgm:constr type="h" for="ch" forName="sp" val="-14.88"/>
+      <dgm:constr type="h" for="ch" forName="sp" refType="w" refFor="des" refForName="parentText" op="gte" fact="-0.3"/>
+      <dgm:constr type="primFontSz" for="des" forName="parentText" op="equ" val="65"/>
+      <dgm:constr type="primFontSz" for="des" forName="descendantText" op="equ" val="65"/>
+    </dgm:constrLst>
+    <dgm:ruleLst/>
+    <dgm:forEach name="Name0" axis="ch" ptType="node">
+      <dgm:layoutNode name="composite">
+        <dgm:alg type="composite"/>
+        <dgm:shape xmlns:r="http://schemas.openxmlformats.org/officeDocument/2006/relationships" r:blip="">
+          <dgm:adjLst/>
+        </dgm:shape>
+        <dgm:presOf/>
+        <dgm:choose name="Name1">
+          <dgm:if name="Name2" func="var" arg="dir" op="equ" val="norm">
+            <dgm:constrLst>
+              <dgm:constr type="t" for="ch" forName="parentText"/>
+              <dgm:constr type="l" for="ch" forName="parentText"/>
+              <dgm:constr type="w" for="ch" forName="parentText" refType="w" fact="0.4"/>
+              <dgm:constr type="h" for="ch" forName="parentText" refType="h"/>
+              <dgm:constr type="w" for="ch" forName="parentText" refType="w" op="lte" fact="0.5"/>
+              <dgm:constr type="w" for="ch" forName="parentText" refType="h" refFor="ch" refForName="parentText" op="lte" fact="0.7"/>
+              <dgm:constr type="h" for="ch" forName="parentText" refType="w" refFor="ch" refForName="parentText" op="lte" fact="3"/>
+              <dgm:constr type="l" for="ch" forName="descendantText" refType="w" refFor="ch" refForName="parentText"/>
+              <dgm:constr type="w" for="ch" forName="descendantText" refType="w"/>
+              <dgm:constr type="wOff" for="ch" forName="descendantText" refType="w" refFor="ch" refForName="parentText" fact="-1"/>
+              <dgm:constr type="t" for="ch" forName="descendantText"/>
+              <dgm:constr type="b" for="ch" forName="descendantText" refType="h" refFor="ch" refForName="parentText"/>
+              <dgm:constr type="bOff" for="ch" forName="descendantText" refType="w" refFor="ch" refForName="parentText" fact="-0.5"/>
+            </dgm:constrLst>
+          </dgm:if>
+          <dgm:else name="Name3">
+            <dgm:constrLst>
+              <dgm:constr type="t" for="ch" forName="parentText"/>
+              <dgm:constr type="r" for="ch" forName="parentText" refType="w"/>
+              <dgm:constr type="w" for="ch" forName="parentText" refType="w" fact="0.4"/>
+              <dgm:constr type="h" for="ch" forName="parentText" refType="h"/>
+              <dgm:constr type="w" for="ch" forName="parentText" refType="w" op="lte" fact="0.5"/>
+              <dgm:constr type="w" for="ch" forName="parentText" refType="h" refFor="ch" refForName="parentText" op="lte" fact="0.7"/>
+              <dgm:constr type="h" for="ch" forName="parentText" refType="w" refFor="ch" refForName="parentText" op="lte" fact="3"/>
+              <dgm:constr type="l" for="ch" forName="descendantText"/>
+              <dgm:constr type="w" for="ch" forName="descendantText" refType="w"/>
+              <dgm:constr type="wOff" for="ch" forName="descendantText" refType="w" refFor="ch" refForName="parentText" fact="-1"/>
+              <dgm:constr type="t" for="ch" forName="descendantText"/>
+              <dgm:constr type="b" for="ch" forName="descendantText" refType="h" refFor="ch" refForName="parentText"/>
+              <dgm:constr type="bOff" for="ch" forName="descendantText" refType="w" refFor="ch" refForName="parentText" fact="-0.5"/>
+            </dgm:constrLst>
+          </dgm:else>
+        </dgm:choose>
+        <dgm:ruleLst/>
+        <dgm:layoutNode name="parentText" styleLbl="alignNode1">
+          <dgm:varLst>
+            <dgm:chMax val="1"/>
+            <dgm:bulletEnabled val="1"/>
+          </dgm:varLst>
+          <dgm:alg type="tx"/>
+          <dgm:shape xmlns:r="http://schemas.openxmlformats.org/officeDocument/2006/relationships" rot="90" type="chevron" r:blip="">
+            <dgm:adjLst/>
+          </dgm:shape>
+          <dgm:presOf axis="self" ptType="node"/>
+          <dgm:constrLst>
+            <dgm:constr type="lMarg" refType="primFontSz" fact="0.05"/>
+            <dgm:constr type="rMarg" refType="primFontSz" fact="0.05"/>
+            <dgm:constr type="tMarg" refType="primFontSz" fact="0.05"/>
+            <dgm:constr type="bMarg" refType="primFontSz" fact="0.05"/>
+          </dgm:constrLst>
+          <dgm:ruleLst>
+            <dgm:rule type="h" val="100" fact="NaN" max="NaN"/>
+            <dgm:rule type="primFontSz" val="24" fact="NaN" max="NaN"/>
+            <dgm:rule type="h" val="110" fact="NaN" max="NaN"/>
+            <dgm:rule type="primFontSz" val="18" fact="NaN" max="NaN"/>
+            <dgm:rule type="h" val="INF" fact="NaN" max="NaN"/>
+            <dgm:rule type="primFontSz" val="5" fact="NaN" max="NaN"/>
+          </dgm:ruleLst>
+        </dgm:layoutNode>
+        <dgm:layoutNode name="descendantText" styleLbl="alignAcc1">
+          <dgm:varLst>
+            <dgm:bulletEnabled val="1"/>
+          </dgm:varLst>
+          <dgm:choose name="Name4">
+            <dgm:if name="Name5" func="var" arg="dir" op="equ" val="norm">
+              <dgm:alg type="tx">
+                <dgm:param type="stBulletLvl" val="1"/>
+                <dgm:param type="txAnchorVertCh" val="mid"/>
+              </dgm:alg>
+              <dgm:shape xmlns:r="http://schemas.openxmlformats.org/officeDocument/2006/relationships" rot="90" type="round2SameRect" r:blip="">
+                <dgm:adjLst/>
+              </dgm:shape>
+            </dgm:if>
+            <dgm:else name="Name6">
+              <dgm:alg type="tx">
+                <dgm:param type="stBulletLvl" val="1"/>
+                <dgm:param type="txAnchorVertCh" val="mid"/>
+              </dgm:alg>
+              <dgm:shape xmlns:r="http://schemas.openxmlformats.org/officeDocument/2006/relationships" rot="-90" type="round2SameRect" r:blip="">
+                <dgm:adjLst/>
+              </dgm:shape>
+            </dgm:else>
+          </dgm:choose>
+          <dgm:presOf axis="des" ptType="node"/>
+          <dgm:choose name="Name7">
+            <dgm:if name="Name8" func="var" arg="dir" op="equ" val="norm">
+              <dgm:constrLst>
+                <dgm:constr type="secFontSz" refType="primFontSz"/>
+                <dgm:constr type="tMarg" refType="primFontSz" fact="0.05"/>
+                <dgm:constr type="bMarg" refType="primFontSz" fact="0.05"/>
+                <dgm:constr type="rMarg" refType="primFontSz" fact="0.05"/>
+              </dgm:constrLst>
+            </dgm:if>
+            <dgm:else name="Name9">
+              <dgm:constrLst>
+                <dgm:constr type="secFontSz" refType="primFontSz"/>
+                <dgm:constr type="tMarg" refType="primFontSz" fact="0.05"/>
+                <dgm:constr type="bMarg" refType="primFontSz" fact="0.05"/>
+                <dgm:constr type="lMarg" refType="primFontSz" fact="0.05"/>
+              </dgm:constrLst>
+            </dgm:else>
+          </dgm:choose>
+          <dgm:ruleLst>
+            <dgm:rule type="primFontSz" val="5" fact="NaN" max="NaN"/>
+          </dgm:ruleLst>
+        </dgm:layoutNode>
+      </dgm:layoutNode>
+      <dgm:forEach name="Name10" axis="followSib" ptType="sibTrans" cnt="1">
+        <dgm:layoutNode name="sp">
+          <dgm:alg type="sp"/>
+          <dgm:shape xmlns:r="http://schemas.openxmlformats.org/officeDocument/2006/relationships" r:blip="">
+            <dgm:adjLst/>
+          </dgm:shape>
+          <dgm:presOf axis="self"/>
+          <dgm:constrLst>
+            <dgm:constr type="w" val="1"/>
+            <dgm:constr type="h" val="37.5"/>
+          </dgm:constrLst>
+          <dgm:ruleLst/>
+        </dgm:layoutNode>
+      </dgm:forEach>
+    </dgm:forEach>
+  </dgm:layoutNode>
+</dgm:layoutDef>
+</file>
+
 <file path=ppt/diagrams/quickStyle1.xml><?xml version="1.0" encoding="utf-8"?>
+<dgm:styleDef xmlns:dgm="http://schemas.openxmlformats.org/drawingml/2006/diagram" xmlns:a="http://schemas.openxmlformats.org/drawingml/2006/main" uniqueId="urn:microsoft.com/office/officeart/2005/8/quickstyle/simple1">
+  <dgm:title val=""/>
+  <dgm:desc val=""/>
+  <dgm:catLst>
+    <dgm:cat type="simple" pri="10100"/>
+  </dgm:catLst>
+  <dgm:scene3d>
+    <a:camera prst="orthographicFront"/>
+    <a:lightRig rig="threePt" dir="t"/>
+  </dgm:scene3d>
+  <dgm:styleLbl name="node0">
+    <dgm:scene3d>
+      <a:camera prst="orthographicFront"/>
+      <a:lightRig rig="threePt" dir="t"/>
+    </dgm:scene3d>
+    <dgm:sp3d/>
+    <dgm:txPr/>
+    <dgm:style>
+      <a:lnRef idx="2">
+        <a:scrgbClr r="0" g="0" b="0"/>
+      </a:lnRef>
+      <a:fillRef idx="1">
+        <a:scrgbClr r="0" g="0" b="0"/>
+      </a:fillRef>
+      <a:effectRef idx="0">
+        <a:scrgbClr r="0" g="0" b="0"/>
+      </a:effectRef>
+      <a:fontRef idx="minor">
+        <a:schemeClr val="lt1"/>
+      </a:fontRef>
+    </dgm:style>
+  </dgm:styleLbl>
+  <dgm:styleLbl name="lnNode1">
+    <dgm:scene3d>
+      <a:camera prst="orthographicFront"/>
+      <a:lightRig rig="threePt" dir="t"/>
+    </dgm:scene3d>
+    <dgm:sp3d/>
+    <dgm:txPr/>
+    <dgm:style>
+      <a:lnRef idx="2">
+        <a:scrgbClr r="0" g="0" b="0"/>
+      </a:lnRef>
+      <a:fillRef idx="1">
+        <a:scrgbClr r="0" g="0" b="0"/>
+      </a:fillRef>
+      <a:effectRef idx="0">
+        <a:scrgbClr r="0" g="0" b="0"/>
+      </a:effectRef>
+      <a:fontRef idx="minor">
+        <a:schemeClr val="lt1"/>
+      </a:fontRef>
+    </dgm:style>
+  </dgm:styleLbl>
+  <dgm:styleLbl name="vennNode1">
+    <dgm:scene3d>
+      <a:camera prst="orthographicFront"/>
+      <a:lightRig rig="threePt" dir="t"/>
+    </dgm:scene3d>
+    <dgm:sp3d/>
+    <dgm:txPr/>
+    <dgm:style>
+      <a:lnRef idx="2">
+        <a:scrgbClr r="0" g="0" b="0"/>
+      </a:lnRef>
+      <a:fillRef idx="1">
+        <a:scrgbClr r="0" g="0" b="0"/>
+      </a:fillRef>
+      <a:effectRef idx="0">
+        <a:scrgbClr r="0" g="0" b="0"/>
+      </a:effectRef>
+      <a:fontRef idx="minor">
+        <a:schemeClr val="tx1"/>
+      </a:fontRef>
+    </dgm:style>
+  </dgm:styleLbl>
+  <dgm:styleLbl name="alignNode1">
+    <dgm:scene3d>
+      <a:camera prst="orthographicFront"/>
+      <a:lightRig rig="threePt" dir="t"/>
+    </dgm:scene3d>
+    <dgm:sp3d/>
+    <dgm:txPr/>
+    <dgm:style>
+      <a:lnRef idx="2">
+        <a:scrgbClr r="0" g="0" b="0"/>
+      </a:lnRef>
+      <a:fillRef idx="1">
+        <a:scrgbClr r="0" g="0" b="0"/>
+      </a:fillRef>
+      <a:effectRef idx="0">
+        <a:scrgbClr r="0" g="0" b="0"/>
+      </a:effectRef>
+      <a:fontRef idx="minor">
+        <a:schemeClr val="lt1"/>
+      </a:fontRef>
+    </dgm:style>
+  </dgm:styleLbl>
+  <dgm:styleLbl name="node1">
+    <dgm:scene3d>
+      <a:camera prst="orthographicFront"/>
+      <a:lightRig rig="threePt" dir="t"/>
+    </dgm:scene3d>
+    <dgm:sp3d/>
+    <dgm:txPr/>
+    <dgm:style>
+      <a:lnRef idx="2">
+        <a:scrgbClr r="0" g="0" b="0"/>
+      </a:lnRef>
+      <a:fillRef idx="1">
+        <a:scrgbClr r="0" g="0" b="0"/>
+      </a:fillRef>
+      <a:effectRef idx="0">
+        <a:scrgbClr r="0" g="0" b="0"/>
+      </a:effectRef>
+      <a:fontRef idx="minor">
+        <a:schemeClr val="lt1"/>
+      </a:fontRef>
+    </dgm:style>
+  </dgm:styleLbl>
+  <dgm:styleLbl name="node2">
+    <dgm:scene3d>
+      <a:camera prst="orthographicFront"/>
+      <a:lightRig rig="threePt" dir="t"/>
+    </dgm:scene3d>
+    <dgm:sp3d/>
+    <dgm:txPr/>
+    <dgm:style>
+      <a:lnRef idx="2">
+        <a:scrgbClr r="0" g="0" b="0"/>
+      </a:lnRef>
+      <a:fillRef idx="1">
+        <a:scrgbClr r="0" g="0" b="0"/>
+      </a:fillRef>
+      <a:effectRef idx="0">
+        <a:scrgbClr r="0" g="0" b="0"/>
+      </a:effectRef>
+      <a:fontRef idx="minor">
+        <a:schemeClr val="lt1"/>
+      </a:fontRef>
+    </dgm:style>
+  </dgm:styleLbl>
+  <dgm:styleLbl name="node3">
+    <dgm:scene3d>
+      <a:camera prst="orthographicFront"/>
+      <a:lightRig rig="threePt" dir="t"/>
+    </dgm:scene3d>
+    <dgm:sp3d/>
+    <dgm:txPr/>
+    <dgm:style>
+      <a:lnRef idx="2">
+        <a:scrgbClr r="0" g="0" b="0"/>
+      </a:lnRef>
+      <a:fillRef idx="1">
+        <a:scrgbClr r="0" g="0" b="0"/>
+      </a:fillRef>
+      <a:effectRef idx="0">
+        <a:scrgbClr r="0" g="0" b="0"/>
+      </a:effectRef>
+      <a:fontRef idx="minor">
+        <a:schemeClr val="lt1"/>
+      </a:fontRef>
+    </dgm:style>
+  </dgm:styleLbl>
+  <dgm:styleLbl name="node4">
+    <dgm:scene3d>
+      <a:camera prst="orthographicFront"/>
+      <a:lightRig rig="threePt" dir="t"/>
+    </dgm:scene3d>
+    <dgm:sp3d/>
+    <dgm:txPr/>
+    <dgm:style>
+      <a:lnRef idx="2">
+        <a:scrgbClr r="0" g="0" b="0"/>
+      </a:lnRef>
+      <a:fillRef idx="1">
+        <a:scrgbClr r="0" g="0" b="0"/>
+      </a:fillRef>
+      <a:effectRef idx="0">
+        <a:scrgbClr r="0" g="0" b="0"/>
+      </a:effectRef>
+      <a:fontRef idx="minor">
+        <a:schemeClr val="lt1"/>
+      </a:fontRef>
+    </dgm:style>
+  </dgm:styleLbl>
+  <dgm:styleLbl name="fgImgPlace1">
+    <dgm:scene3d>
+      <a:camera prst="orthographicFront"/>
+      <a:lightRig rig="threePt" dir="t"/>
+    </dgm:scene3d>
+    <dgm:sp3d/>
+    <dgm:txPr/>
+    <dgm:style>
+      <a:lnRef idx="2">
+        <a:scrgbClr r="0" g="0" b="0"/>
+      </a:lnRef>
+      <a:fillRef idx="1">
+        <a:scrgbClr r="0" g="0" b="0"/>
+      </a:fillRef>
+      <a:effectRef idx="0">
+        <a:scrgbClr r="0" g="0" b="0"/>
+      </a:effectRef>
+      <a:fontRef idx="minor"/>
+    </dgm:style>
+  </dgm:styleLbl>
+  <dgm:styleLbl name="alignImgPlace1">
+    <dgm:scene3d>
+      <a:camera prst="orthographicFront"/>
+      <a:lightRig rig="threePt" dir="t"/>
+    </dgm:scene3d>
+    <dgm:sp3d/>
+    <dgm:txPr/>
+    <dgm:style>
+      <a:lnRef idx="2">
+        <a:scrgbClr r="0" g="0" b="0"/>
+      </a:lnRef>
+      <a:fillRef idx="1">
+        <a:scrgbClr r="0" g="0" b="0"/>
+      </a:fillRef>
+      <a:effectRef idx="0">
+        <a:scrgbClr r="0" g="0" b="0"/>
+      </a:effectRef>
+      <a:fontRef idx="minor"/>
+    </dgm:style>
+  </dgm:styleLbl>
+  <dgm:styleLbl name="bgImgPlace1">
+    <dgm:scene3d>
+      <a:camera prst="orthographicFront"/>
+      <a:lightRig rig="threePt" dir="t"/>
+    </dgm:scene3d>
+    <dgm:sp3d/>
+    <dgm:txPr/>
+    <dgm:style>
+      <a:lnRef idx="2">
+        <a:scrgbClr r="0" g="0" b="0"/>
+      </a:lnRef>
+      <a:fillRef idx="1">
+        <a:scrgbClr r="0" g="0" b="0"/>
+      </a:fillRef>
+      <a:effectRef idx="0">
+        <a:scrgbClr r="0" g="0" b="0"/>
+      </a:effectRef>
+      <a:fontRef idx="minor"/>
+    </dgm:style>
+  </dgm:styleLbl>
+  <dgm:styleLbl name="sibTrans2D1">
+    <dgm:scene3d>
+      <a:camera prst="orthographicFront"/>
+      <a:lightRig rig="threePt" dir="t"/>
+    </dgm:scene3d>
+    <dgm:sp3d/>
+    <dgm:txPr/>
+    <dgm:style>
+      <a:lnRef idx="0">
+        <a:scrgbClr r="0" g="0" b="0"/>
+      </a:lnRef>
+      <a:fillRef idx="1">
+        <a:scrgbClr r="0" g="0" b="0"/>
+      </a:fillRef>
+      <a:effectRef idx="0">
+        <a:scrgbClr r="0" g="0" b="0"/>
+      </a:effectRef>
+      <a:fontRef idx="minor">
+        <a:schemeClr val="lt1"/>
+      </a:fontRef>
+    </dgm:style>
+  </dgm:styleLbl>
+  <dgm:styleLbl name="fgSibTrans2D1">
+    <dgm:scene3d>
+      <a:camera prst="orthographicFront"/>
+      <a:lightRig rig="threePt" dir="t"/>
+    </dgm:scene3d>
+    <dgm:sp3d/>
+    <dgm:txPr/>
+    <dgm:style>
+      <a:lnRef idx="0">
+        <a:scrgbClr r="0" g="0" b="0"/>
+      </a:lnRef>
+      <a:fillRef idx="1">
+        <a:scrgbClr r="0" g="0" b="0"/>
+      </a:fillRef>
+      <a:effectRef idx="0">
+        <a:scrgbClr r="0" g="0" b="0"/>
+      </a:effectRef>
+      <a:fontRef idx="minor">
+        <a:schemeClr val="lt1"/>
+      </a:fontRef>
+    </dgm:style>
+  </dgm:styleLbl>
+  <dgm:styleLbl name="bgSibTrans2D1">
+    <dgm:scene3d>
+      <a:camera prst="orthographicFront"/>
+      <a:lightRig rig="threePt" dir="t"/>
+    </dgm:scene3d>
+    <dgm:sp3d/>
+    <dgm:txPr/>
+    <dgm:style>
+      <a:lnRef idx="0">
+        <a:scrgbClr r="0" g="0" b="0"/>
+      </a:lnRef>
+      <a:fillRef idx="1">
+        <a:scrgbClr r="0" g="0" b="0"/>
+      </a:fillRef>
+      <a:effectRef idx="0">
+        <a:scrgbClr r="0" g="0" b="0"/>
+      </a:effectRef>
+      <a:fontRef idx="minor">
+        <a:schemeClr val="lt1"/>
+      </a:fontRef>
+    </dgm:style>
+  </dgm:styleLbl>
+  <dgm:styleLbl name="sibTrans1D1">
+    <dgm:scene3d>
+      <a:camera prst="orthographicFront"/>
+      <a:lightRig rig="threePt" dir="t"/>
+    </dgm:scene3d>
+    <dgm:sp3d/>
+    <dgm:txPr/>
+    <dgm:style>
+      <a:lnRef idx="1">
+        <a:scrgbClr r="0" g="0" b="0"/>
+      </a:lnRef>
+      <a:fillRef idx="0">
+        <a:scrgbClr r="0" g="0" b="0"/>
+      </a:fillRef>
+      <a:effectRef idx="0">
+        <a:scrgbClr r="0" g="0" b="0"/>
+      </a:effectRef>
+      <a:fontRef idx="minor"/>
+    </dgm:style>
+  </dgm:styleLbl>
+  <dgm:styleLbl name="callout">
+    <dgm:scene3d>
+      <a:camera prst="orthographicFront"/>
+      <a:lightRig rig="threePt" dir="t"/>
+    </dgm:scene3d>
+    <dgm:sp3d/>
+    <dgm:txPr/>
+    <dgm:style>
+      <a:lnRef idx="2">
+        <a:scrgbClr r="0" g="0" b="0"/>
+      </a:lnRef>
+      <a:fillRef idx="1">
+        <a:scrgbClr r="0" g="0" b="0"/>
+      </a:fillRef>
+      <a:effectRef idx="0">
+        <a:scrgbClr r="0" g="0" b="0"/>
+      </a:effectRef>
+      <a:fontRef idx="minor"/>
+    </dgm:style>
+  </dgm:styleLbl>
+  <dgm:styleLbl name="asst0">
+    <dgm:scene3d>
+      <a:camera prst="orthographicFront"/>
+      <a:lightRig rig="threePt" dir="t"/>
+    </dgm:scene3d>
+    <dgm:sp3d/>
+    <dgm:txPr/>
+    <dgm:style>
+      <a:lnRef idx="2">
+        <a:scrgbClr r="0" g="0" b="0"/>
+      </a:lnRef>
+      <a:fillRef idx="1">
+        <a:scrgbClr r="0" g="0" b="0"/>
+      </a:fillRef>
+      <a:effectRef idx="0">
+        <a:scrgbClr r="0" g="0" b="0"/>
+      </a:effectRef>
+      <a:fontRef idx="minor">
+        <a:schemeClr val="lt1"/>
+      </a:fontRef>
+    </dgm:style>
+  </dgm:styleLbl>
+  <dgm:styleLbl name="asst1">
+    <dgm:scene3d>
+      <a:camera prst="orthographicFront"/>
+      <a:lightRig rig="threePt" dir="t"/>
+    </dgm:scene3d>
+    <dgm:sp3d/>
+    <dgm:txPr/>
+    <dgm:style>
+      <a:lnRef idx="2">
+        <a:scrgbClr r="0" g="0" b="0"/>
+      </a:lnRef>
+      <a:fillRef idx="1">
+        <a:scrgbClr r="0" g="0" b="0"/>
+      </a:fillRef>
+      <a:effectRef idx="0">
+        <a:scrgbClr r="0" g="0" b="0"/>
+      </a:effectRef>
+      <a:fontRef idx="minor">
+        <a:schemeClr val="lt1"/>
+      </a:fontRef>
+    </dgm:style>
+  </dgm:styleLbl>
+  <dgm:styleLbl name="asst2">
+    <dgm:scene3d>
+      <a:camera prst="orthographicFront"/>
+      <a:lightRig rig="threePt" dir="t"/>
+    </dgm:scene3d>
+    <dgm:sp3d/>
+    <dgm:txPr/>
+    <dgm:style>
+      <a:lnRef idx="2">
+        <a:scrgbClr r="0" g="0" b="0"/>
+      </a:lnRef>
+      <a:fillRef idx="1">
+        <a:scrgbClr r="0" g="0" b="0"/>
+      </a:fillRef>
+      <a:effectRef idx="0">
+        <a:scrgbClr r="0" g="0" b="0"/>
+      </a:effectRef>
+      <a:fontRef idx="minor">
+        <a:schemeClr val="lt1"/>
+      </a:fontRef>
+    </dgm:style>
+  </dgm:styleLbl>
+  <dgm:styleLbl name="asst3">
+    <dgm:scene3d>
+      <a:camera prst="orthographicFront"/>
+      <a:lightRig rig="threePt" dir="t"/>
+    </dgm:scene3d>
+    <dgm:sp3d/>
+    <dgm:txPr/>
+    <dgm:style>
+      <a:lnRef idx="2">
+        <a:scrgbClr r="0" g="0" b="0"/>
+      </a:lnRef>
+      <a:fillRef idx="1">
+        <a:scrgbClr r="0" g="0" b="0"/>
+      </a:fillRef>
+      <a:effectRef idx="0">
+        <a:scrgbClr r="0" g="0" b="0"/>
+      </a:effectRef>
+      <a:fontRef idx="minor">
+        <a:schemeClr val="lt1"/>
+      </a:fontRef>
+    </dgm:style>
+  </dgm:styleLbl>
+  <dgm:styleLbl name="asst4">
+    <dgm:scene3d>
+      <a:camera prst="orthographicFront"/>
+      <a:lightRig rig="threePt" dir="t"/>
+    </dgm:scene3d>
+    <dgm:sp3d/>
+    <dgm:txPr/>
+    <dgm:style>
+      <a:lnRef idx="2">
+        <a:scrgbClr r="0" g="0" b="0"/>
+      </a:lnRef>
+      <a:fillRef idx="1">
+        <a:scrgbClr r="0" g="0" b="0"/>
+      </a:fillRef>
+      <a:effectRef idx="0">
+        <a:scrgbClr r="0" g="0" b="0"/>
+      </a:effectRef>
+      <a:fontRef idx="minor">
+        <a:schemeClr val="lt1"/>
+      </a:fontRef>
+    </dgm:style>
+  </dgm:styleLbl>
+  <dgm:styleLbl name="parChTrans2D1">
+    <dgm:scene3d>
+      <a:camera prst="orthographicFront"/>
+      <a:lightRig rig="threePt" dir="t"/>
+    </dgm:scene3d>
+    <dgm:sp3d/>
+    <dgm:txPr/>
+    <dgm:style>
+      <a:lnRef idx="2">
+        <a:scrgbClr r="0" g="0" b="0"/>
+      </a:lnRef>
+      <a:fillRef idx="1">
+        <a:scrgbClr r="0" g="0" b="0"/>
+      </a:fillRef>
+      <a:effectRef idx="0">
+        <a:scrgbClr r="0" g="0" b="0"/>
+      </a:effectRef>
+      <a:fontRef idx="minor">
+        <a:schemeClr val="lt1"/>
+      </a:fontRef>
+    </dgm:style>
+  </dgm:styleLbl>
+  <dgm:styleLbl name="parChTrans2D2">
+    <dgm:scene3d>
+      <a:camera prst="orthographicFront"/>
+      <a:lightRig rig="threePt" dir="t"/>
+    </dgm:scene3d>
+    <dgm:sp3d/>
+    <dgm:txPr/>
+    <dgm:style>
+      <a:lnRef idx="2">
+        <a:scrgbClr r="0" g="0" b="0"/>
+      </a:lnRef>
+      <a:fillRef idx="1">
+        <a:scrgbClr r="0" g="0" b="0"/>
+      </a:fillRef>
+      <a:effectRef idx="0">
+        <a:scrgbClr r="0" g="0" b="0"/>
+      </a:effectRef>
+      <a:fontRef idx="minor">
+        <a:schemeClr val="lt1"/>
+      </a:fontRef>
+    </dgm:style>
+  </dgm:styleLbl>
+  <dgm:styleLbl name="parChTrans2D3">
+    <dgm:scene3d>
+      <a:camera prst="orthographicFront"/>
+      <a:lightRig rig="threePt" dir="t"/>
+    </dgm:scene3d>
+    <dgm:sp3d/>
+    <dgm:txPr/>
+    <dgm:style>
+      <a:lnRef idx="2">
+        <a:scrgbClr r="0" g="0" b="0"/>
+      </a:lnRef>
+      <a:fillRef idx="1">
+        <a:scrgbClr r="0" g="0" b="0"/>
+      </a:fillRef>
+      <a:effectRef idx="0">
+        <a:scrgbClr r="0" g="0" b="0"/>
+      </a:effectRef>
+      <a:fontRef idx="minor">
+        <a:schemeClr val="lt1"/>
+      </a:fontRef>
+    </dgm:style>
+  </dgm:styleLbl>
+  <dgm:styleLbl name="parChTrans2D4">
+    <dgm:scene3d>
+      <a:camera prst="orthographicFront"/>
+      <a:lightRig rig="threePt" dir="t"/>
+    </dgm:scene3d>
+    <dgm:sp3d/>
+    <dgm:txPr/>
+    <dgm:style>
+      <a:lnRef idx="2">
+        <a:scrgbClr r="0" g="0" b="0"/>
+      </a:lnRef>
+      <a:fillRef idx="1">
+        <a:scrgbClr r="0" g="0" b="0"/>
+      </a:fillRef>
+      <a:effectRef idx="0">
+        <a:scrgbClr r="0" g="0" b="0"/>
+      </a:effectRef>
+      <a:fontRef idx="minor">
+        <a:schemeClr val="lt1"/>
+      </a:fontRef>
+    </dgm:style>
+  </dgm:styleLbl>
+  <dgm:styleLbl name="parChTrans1D1">
+    <dgm:scene3d>
+      <a:camera prst="orthographicFront"/>
+      <a:lightRig rig="threePt" dir="t"/>
+    </dgm:scene3d>
+    <dgm:sp3d/>
+    <dgm:txPr/>
+    <dgm:style>
+      <a:lnRef idx="2">
+        <a:scrgbClr r="0" g="0" b="0"/>
+      </a:lnRef>
+      <a:fillRef idx="0">
+        <a:scrgbClr r="0" g="0" b="0"/>
+      </a:fillRef>
+      <a:effectRef idx="0">
+        <a:scrgbClr r="0" g="0" b="0"/>
+      </a:effectRef>
+      <a:fontRef idx="minor"/>
+    </dgm:style>
+  </dgm:styleLbl>
+  <dgm:styleLbl name="parChTrans1D2">
+    <dgm:scene3d>
+      <a:camera prst="orthographicFront"/>
+      <a:lightRig rig="threePt" dir="t"/>
+    </dgm:scene3d>
+    <dgm:sp3d/>
+    <dgm:txPr/>
+    <dgm:style>
+      <a:lnRef idx="2">
+        <a:scrgbClr r="0" g="0" b="0"/>
+      </a:lnRef>
+      <a:fillRef idx="0">
+        <a:scrgbClr r="0" g="0" b="0"/>
+      </a:fillRef>
+      <a:effectRef idx="0">
+        <a:scrgbClr r="0" g="0" b="0"/>
+      </a:effectRef>
+      <a:fontRef idx="minor"/>
+    </dgm:style>
+  </dgm:styleLbl>
+  <dgm:styleLbl name="parChTrans1D3">
+    <dgm:scene3d>
+      <a:camera prst="orthographicFront"/>
+      <a:lightRig rig="threePt" dir="t"/>
+    </dgm:scene3d>
+    <dgm:sp3d/>
+    <dgm:txPr/>
+    <dgm:style>
+      <a:lnRef idx="2">
+        <a:scrgbClr r="0" g="0" b="0"/>
+      </a:lnRef>
+      <a:fillRef idx="0">
+        <a:scrgbClr r="0" g="0" b="0"/>
+      </a:fillRef>
+      <a:effectRef idx="0">
+        <a:scrgbClr r="0" g="0" b="0"/>
+      </a:effectRef>
+      <a:fontRef idx="minor"/>
+    </dgm:style>
+  </dgm:styleLbl>
+  <dgm:styleLbl name="parChTrans1D4">
+    <dgm:scene3d>
+      <a:camera prst="orthographicFront"/>
+      <a:lightRig rig="threePt" dir="t"/>
+    </dgm:scene3d>
+    <dgm:sp3d/>
+    <dgm:txPr/>
+    <dgm:style>
+      <a:lnRef idx="2">
+        <a:scrgbClr r="0" g="0" b="0"/>
+      </a:lnRef>
+      <a:fillRef idx="0">
+        <a:scrgbClr r="0" g="0" b="0"/>
+      </a:fillRef>
+      <a:effectRef idx="0">
+        <a:scrgbClr r="0" g="0" b="0"/>
+      </a:effectRef>
+      <a:fontRef idx="minor"/>
+    </dgm:style>
+  </dgm:styleLbl>
+  <dgm:styleLbl name="fgAcc1">
+    <dgm:scene3d>
+      <a:camera prst="orthographicFront"/>
+      <a:lightRig rig="threePt" dir="t"/>
+    </dgm:scene3d>
+    <dgm:sp3d/>
+    <dgm:txPr/>
+    <dgm:style>
+      <a:lnRef idx="2">
+        <a:scrgbClr r="0" g="0" b="0"/>
+      </a:lnRef>
+      <a:fillRef idx="1">
+        <a:scrgbClr r="0" g="0" b="0"/>
+      </a:fillRef>
+      <a:effectRef idx="0">
+        <a:scrgbClr r="0" g="0" b="0"/>
+      </a:effectRef>
+      <a:fontRef idx="minor"/>
+    </dgm:style>
+  </dgm:styleLbl>
+  <dgm:styleLbl name="conFgAcc1">
+    <dgm:scene3d>
+      <a:camera prst="orthographicFront"/>
+      <a:lightRig rig="threePt" dir="t"/>
+    </dgm:scene3d>
+    <dgm:sp3d/>
+    <dgm:txPr/>
+    <dgm:style>
+      <a:lnRef idx="2">
+        <a:scrgbClr r="0" g="0" b="0"/>
+      </a:lnRef>
+      <a:fillRef idx="1">
+        <a:scrgbClr r="0" g="0" b="0"/>
+      </a:fillRef>
+      <a:effectRef idx="0">
+        <a:scrgbClr r="0" g="0" b="0"/>
+      </a:effectRef>
+      <a:fontRef idx="minor"/>
+    </dgm:style>
+  </dgm:styleLbl>
+  <dgm:styleLbl name="alignAcc1">
+    <dgm:scene3d>
+      <a:camera prst="orthographicFront"/>
+      <a:lightRig rig="threePt" dir="t"/>
+    </dgm:scene3d>
+    <dgm:sp3d/>
+    <dgm:txPr/>
+    <dgm:style>
+      <a:lnRef idx="2">
+        <a:scrgbClr r="0" g="0" b="0"/>
+      </a:lnRef>
+      <a:fillRef idx="1">
+        <a:scrgbClr r="0" g="0" b="0"/>
+      </a:fillRef>
+      <a:effectRef idx="0">
+        <a:scrgbClr r="0" g="0" b="0"/>
+      </a:effectRef>
+      <a:fontRef idx="minor"/>
+    </dgm:style>
+  </dgm:styleLbl>
+  <dgm:styleLbl name="trAlignAcc1">
+    <dgm:scene3d>
+      <a:camera prst="orthographicFront"/>
+      <a:lightRig rig="threePt" dir="t"/>
+    </dgm:scene3d>
+    <dgm:sp3d/>
+    <dgm:txPr/>
+    <dgm:style>
+      <a:lnRef idx="1">
+        <a:scrgbClr r="0" g="0" b="0"/>
+      </a:lnRef>
+      <a:fillRef idx="1">
+        <a:scrgbClr r="0" g="0" b="0"/>
+      </a:fillRef>
+      <a:effectRef idx="0">
+        <a:scrgbClr r="0" g="0" b="0"/>
+      </a:effectRef>
+      <a:fontRef idx="minor"/>
+    </dgm:style>
+  </dgm:styleLbl>
+  <dgm:styleLbl name="bgAcc1">
+    <dgm:scene3d>
+      <a:camera prst="orthographicFront"/>
+      <a:lightRig rig="threePt" dir="t"/>
+    </dgm:scene3d>
+    <dgm:sp3d/>
+    <dgm:txPr/>
+    <dgm:style>
+      <a:lnRef idx="2">
+        <a:scrgbClr r="0" g="0" b="0"/>
+      </a:lnRef>
+      <a:fillRef idx="1">
+        <a:scrgbClr r="0" g="0" b="0"/>
+      </a:fillRef>
+      <a:effectRef idx="0">
+        <a:scrgbClr r="0" g="0" b="0"/>
+      </a:effectRef>
+      <a:fontRef idx="minor"/>
+    </dgm:style>
+  </dgm:styleLbl>
+  <dgm:styleLbl name="solidFgAcc1">
+    <dgm:scene3d>
+      <a:camera prst="orthographicFront"/>
+      <a:lightRig rig="threePt" dir="t"/>
+    </dgm:scene3d>
+    <dgm:sp3d/>
+    <dgm:txPr/>
+    <dgm:style>
+      <a:lnRef idx="2">
+        <a:scrgbClr r="0" g="0" b="0"/>
+      </a:lnRef>
+      <a:fillRef idx="1">
+        <a:scrgbClr r="0" g="0" b="0"/>
+      </a:fillRef>
+      <a:effectRef idx="0">
+        <a:scrgbClr r="0" g="0" b="0"/>
+      </a:effectRef>
+      <a:fontRef idx="minor"/>
+    </dgm:style>
+  </dgm:styleLbl>
+  <dgm:styleLbl name="solidAlignAcc1">
+    <dgm:scene3d>
+      <a:camera prst="orthographicFront"/>
+      <a:lightRig rig="threePt" dir="t"/>
+    </dgm:scene3d>
+    <dgm:sp3d/>
+    <dgm:txPr/>
+    <dgm:style>
+      <a:lnRef idx="2">
+        <a:scrgbClr r="0" g="0" b="0"/>
+      </a:lnRef>
+      <a:fillRef idx="1">
+        <a:scrgbClr r="0" g="0" b="0"/>
+      </a:fillRef>
+      <a:effectRef idx="0">
+        <a:scrgbClr r="0" g="0" b="0"/>
+      </a:effectRef>
+      <a:fontRef idx="minor"/>
+    </dgm:style>
+  </dgm:styleLbl>
+  <dgm:styleLbl name="solidBgAcc1">
+    <dgm:scene3d>
+      <a:camera prst="orthographicFront"/>
+      <a:lightRig rig="threePt" dir="t"/>
+    </dgm:scene3d>
+    <dgm:sp3d/>
+    <dgm:txPr/>
+    <dgm:style>
+      <a:lnRef idx="2">
+        <a:scrgbClr r="0" g="0" b="0"/>
+      </a:lnRef>
+      <a:fillRef idx="1">
+        <a:scrgbClr r="0" g="0" b="0"/>
+      </a:fillRef>
+      <a:effectRef idx="0">
+        <a:scrgbClr r="0" g="0" b="0"/>
+      </a:effectRef>
+      <a:fontRef idx="minor"/>
+    </dgm:style>
+  </dgm:styleLbl>
+  <dgm:styleLbl name="fgAccFollowNode1">
+    <dgm:scene3d>
+      <a:camera prst="orthographicFront"/>
+      <a:lightRig rig="threePt" dir="t"/>
+    </dgm:scene3d>
+    <dgm:sp3d/>
+    <dgm:txPr/>
+    <dgm:style>
+      <a:lnRef idx="2">
+        <a:scrgbClr r="0" g="0" b="0"/>
+      </a:lnRef>
+      <a:fillRef idx="1">
+        <a:scrgbClr r="0" g="0" b="0"/>
+      </a:fillRef>
+      <a:effectRef idx="0">
+        <a:scrgbClr r="0" g="0" b="0"/>
+      </a:effectRef>
+      <a:fontRef idx="minor"/>
+    </dgm:style>
+  </dgm:styleLbl>
+  <dgm:styleLbl name="alignAccFollowNode1">
+    <dgm:scene3d>
+      <a:camera prst="orthographicFront"/>
+      <a:lightRig rig="threePt" dir="t"/>
+    </dgm:scene3d>
+    <dgm:sp3d/>
+    <dgm:txPr/>
+    <dgm:style>
+      <a:lnRef idx="2">
+        <a:scrgbClr r="0" g="0" b="0"/>
+      </a:lnRef>
+      <a:fillRef idx="1">
+        <a:scrgbClr r="0" g="0" b="0"/>
+      </a:fillRef>
+      <a:effectRef idx="0">
+        <a:scrgbClr r="0" g="0" b="0"/>
+      </a:effectRef>
+      <a:fontRef idx="minor"/>
+    </dgm:style>
+  </dgm:styleLbl>
+  <dgm:styleLbl name="bgAccFollowNode1">
+    <dgm:scene3d>
+      <a:camera prst="orthographicFront"/>
+      <a:lightRig rig="threePt" dir="t"/>
+    </dgm:scene3d>
+    <dgm:sp3d/>
+    <dgm:txPr/>
+    <dgm:style>
+      <a:lnRef idx="2">
+        <a:scrgbClr r="0" g="0" b="0"/>
+      </a:lnRef>
+      <a:fillRef idx="1">
+        <a:scrgbClr r="0" g="0" b="0"/>
+      </a:fillRef>
+      <a:effectRef idx="0">
+        <a:scrgbClr r="0" g="0" b="0"/>
+      </a:effectRef>
+      <a:fontRef idx="minor"/>
+    </dgm:style>
+  </dgm:styleLbl>
+  <dgm:styleLbl name="fgAcc0">
+    <dgm:scene3d>
+      <a:camera prst="orthographicFront"/>
+      <a:lightRig rig="threePt" dir="t"/>
+    </dgm:scene3d>
+    <dgm:sp3d/>
+    <dgm:txPr/>
+    <dgm:style>
+      <a:lnRef idx="2">
+        <a:scrgbClr r="0" g="0" b="0"/>
+      </a:lnRef>
+      <a:fillRef idx="1">
+        <a:scrgbClr r="0" g="0" b="0"/>
+      </a:fillRef>
+      <a:effectRef idx="0">
+        <a:scrgbClr r="0" g="0" b="0"/>
+      </a:effectRef>
+      <a:fontRef idx="minor"/>
+    </dgm:style>
+  </dgm:styleLbl>
+  <dgm:styleLbl name="fgAcc2">
+    <dgm:scene3d>
+      <a:camera prst="orthographicFront"/>
+      <a:lightRig rig="threePt" dir="t"/>
+    </dgm:scene3d>
+    <dgm:sp3d/>
+    <dgm:txPr/>
+    <dgm:style>
+      <a:lnRef idx="2">
+        <a:scrgbClr r="0" g="0" b="0"/>
+      </a:lnRef>
+      <a:fillRef idx="1">
+        <a:scrgbClr r="0" g="0" b="0"/>
+      </a:fillRef>
+      <a:effectRef idx="0">
+        <a:scrgbClr r="0" g="0" b="0"/>
+      </a:effectRef>
+      <a:fontRef idx="minor"/>
+    </dgm:style>
+  </dgm:styleLbl>
+  <dgm:styleLbl name="fgAcc3">
+    <dgm:scene3d>
+      <a:camera prst="orthographicFront"/>
+      <a:lightRig rig="threePt" dir="t"/>
+    </dgm:scene3d>
+    <dgm:sp3d/>
+    <dgm:txPr/>
+    <dgm:style>
+      <a:lnRef idx="2">
+        <a:scrgbClr r="0" g="0" b="0"/>
+      </a:lnRef>
+      <a:fillRef idx="1">
+        <a:scrgbClr r="0" g="0" b="0"/>
+      </a:fillRef>
+      <a:effectRef idx="0">
+        <a:scrgbClr r="0" g="0" b="0"/>
+      </a:effectRef>
+      <a:fontRef idx="minor"/>
+    </dgm:style>
+  </dgm:styleLbl>
+  <dgm:styleLbl name="fgAcc4">
+    <dgm:scene3d>
+      <a:camera prst="orthographicFront"/>
+      <a:lightRig rig="threePt" dir="t"/>
+    </dgm:scene3d>
+    <dgm:sp3d/>
+    <dgm:txPr/>
+    <dgm:style>
+      <a:lnRef idx="2">
+        <a:scrgbClr r="0" g="0" b="0"/>
+      </a:lnRef>
+      <a:fillRef idx="1">
+        <a:scrgbClr r="0" g="0" b="0"/>
+      </a:fillRef>
+      <a:effectRef idx="0">
+        <a:scrgbClr r="0" g="0" b="0"/>
+      </a:effectRef>
+      <a:fontRef idx="minor"/>
+    </dgm:style>
+  </dgm:styleLbl>
+  <dgm:styleLbl name="bgShp">
+    <dgm:scene3d>
+      <a:camera prst="orthographicFront"/>
+      <a:lightRig rig="threePt" dir="t"/>
+    </dgm:scene3d>
+    <dgm:sp3d/>
+    <dgm:txPr/>
+    <dgm:style>
+      <a:lnRef idx="0">
+        <a:scrgbClr r="0" g="0" b="0"/>
+      </a:lnRef>
+      <a:fillRef idx="1">
+        <a:scrgbClr r="0" g="0" b="0"/>
+      </a:fillRef>
+      <a:effectRef idx="0">
+        <a:scrgbClr r="0" g="0" b="0"/>
+      </a:effectRef>
+      <a:fontRef idx="minor"/>
+    </dgm:style>
+  </dgm:styleLbl>
+  <dgm:styleLbl name="dkBgShp">
+    <dgm:scene3d>
+      <a:camera prst="orthographicFront"/>
+      <a:lightRig rig="threePt" dir="t"/>
+    </dgm:scene3d>
+    <dgm:sp3d/>
+    <dgm:txPr/>
+    <dgm:style>
+      <a:lnRef idx="0">
+        <a:scrgbClr r="0" g="0" b="0"/>
+      </a:lnRef>
+      <a:fillRef idx="1">
+        <a:scrgbClr r="0" g="0" b="0"/>
+      </a:fillRef>
+      <a:effectRef idx="0">
+        <a:scrgbClr r="0" g="0" b="0"/>
+      </a:effectRef>
+      <a:fontRef idx="minor"/>
+    </dgm:style>
+  </dgm:styleLbl>
+  <dgm:styleLbl name="trBgShp">
+    <dgm:scene3d>
+      <a:camera prst="orthographicFront"/>
+      <a:lightRig rig="threePt" dir="t"/>
+    </dgm:scene3d>
+    <dgm:sp3d/>
+    <dgm:txPr/>
+    <dgm:style>
+      <a:lnRef idx="0">
+        <a:scrgbClr r="0" g="0" b="0"/>
+      </a:lnRef>
+      <a:fillRef idx="1">
+        <a:scrgbClr r="0" g="0" b="0"/>
+      </a:fillRef>
+      <a:effectRef idx="0">
+        <a:scrgbClr r="0" g="0" b="0"/>
+      </a:effectRef>
+      <a:fontRef idx="minor"/>
+    </dgm:style>
+  </dgm:styleLbl>
+  <dgm:styleLbl name="fgShp">
+    <dgm:scene3d>
+      <a:camera prst="orthographicFront"/>
+      <a:lightRig rig="threePt" dir="t"/>
+    </dgm:scene3d>
+    <dgm:sp3d/>
+    <dgm:txPr/>
+    <dgm:style>
+      <a:lnRef idx="2">
+        <a:scrgbClr r="0" g="0" b="0"/>
+      </a:lnRef>
+      <a:fillRef idx="1">
+        <a:scrgbClr r="0" g="0" b="0"/>
+      </a:fillRef>
+      <a:effectRef idx="0">
+        <a:scrgbClr r="0" g="0" b="0"/>
+      </a:effectRef>
+      <a:fontRef idx="minor"/>
+    </dgm:style>
+  </dgm:styleLbl>
+  <dgm:styleLbl name="revTx">
+    <dgm:scene3d>
+      <a:camera prst="orthographicFront"/>
+      <a:lightRig rig="threePt" dir="t"/>
+    </dgm:scene3d>
+    <dgm:sp3d/>
+    <dgm:txPr/>
+    <dgm:style>
+      <a:lnRef idx="0">
+        <a:scrgbClr r="0" g="0" b="0"/>
+      </a:lnRef>
+      <a:fillRef idx="0">
+        <a:scrgbClr r="0" g="0" b="0"/>
+      </a:fillRef>
+      <a:effectRef idx="0">
+        <a:scrgbClr r="0" g="0" b="0"/>
+      </a:effectRef>
+      <a:fontRef idx="minor"/>
+    </dgm:style>
+  </dgm:styleLbl>
+</dgm:styleDef>
+</file>
+
+<file path=ppt/diagrams/quickStyle2.xml><?xml version="1.0" encoding="utf-8"?>
 <dgm:styleDef xmlns:dgm="http://schemas.openxmlformats.org/drawingml/2006/diagram" xmlns:a="http://schemas.openxmlformats.org/drawingml/2006/main" uniqueId="urn:microsoft.com/office/officeart/2005/8/quickstyle/simple1">
   <dgm:title val=""/>
   <dgm:desc val=""/>
@@ -10595,7 +13843,7 @@
           <p:nvPr>
             <p:extLst>
               <p:ext uri="{D42A27DB-BD31-4B8C-83A1-F6EECF244321}">
-                <p14:modId xmlns:p14="http://schemas.microsoft.com/office/powerpoint/2010/main" val="1142088963"/>
+                <p14:modId xmlns:p14="http://schemas.microsoft.com/office/powerpoint/2010/main" val="3439455582"/>
               </p:ext>
             </p:extLst>
           </p:nvPr>
@@ -13034,7 +16282,7 @@
       </p:pic>
       <p:pic>
         <p:nvPicPr>
-          <p:cNvPr id="92" name="Picture 91" descr="A blue and white sign&#13;&#10;&#13;&#10;Description automatically generated">
+          <p:cNvPr id="92" name="Picture 91" descr="A blue and white sign&#10;&#10;Description automatically generated">
             <a:extLst>
               <a:ext uri="{FF2B5EF4-FFF2-40B4-BE49-F238E27FC236}">
                 <a16:creationId xmlns:a16="http://schemas.microsoft.com/office/drawing/2014/main" id="{5231CF64-6E56-3A4C-8985-D9D8114A0083}"/>
@@ -13092,6 +16340,34 @@
           </a:prstGeom>
         </p:spPr>
       </p:pic>
+      <p:graphicFrame>
+        <p:nvGraphicFramePr>
+          <p:cNvPr id="97" name="Diagram 96">
+            <a:extLst>
+              <a:ext uri="{FF2B5EF4-FFF2-40B4-BE49-F238E27FC236}">
+                <a16:creationId xmlns:a16="http://schemas.microsoft.com/office/drawing/2014/main" id="{CE644E08-2A03-4A88-901A-C0DFD4DE226F}"/>
+              </a:ext>
+            </a:extLst>
+          </p:cNvPr>
+          <p:cNvGraphicFramePr/>
+          <p:nvPr>
+            <p:extLst>
+              <p:ext uri="{D42A27DB-BD31-4B8C-83A1-F6EECF244321}">
+                <p14:modId xmlns:p14="http://schemas.microsoft.com/office/powerpoint/2010/main" val="3439455582"/>
+              </p:ext>
+            </p:extLst>
+          </p:nvPr>
+        </p:nvGraphicFramePr>
+        <p:xfrm>
+          <a:off x="10563780" y="5777137"/>
+          <a:ext cx="10014492" cy="7298779"/>
+        </p:xfrm>
+        <a:graphic>
+          <a:graphicData uri="http://schemas.openxmlformats.org/drawingml/2006/diagram">
+            <dgm:relIds xmlns:dgm="http://schemas.openxmlformats.org/drawingml/2006/diagram" xmlns:r="http://schemas.openxmlformats.org/officeDocument/2006/relationships" r:dm="rId42" r:lo="rId43" r:qs="rId44" r:cs="rId45"/>
+          </a:graphicData>
+        </a:graphic>
+      </p:graphicFrame>
     </p:spTree>
   </p:cSld>
   <p:clrMapOvr>
